--- a/Презентация 1.pptx
+++ b/Презентация 1.pptx
@@ -5,14 +5,22 @@
     <p:sldMasterId id="2147483648" r:id="rId1"/>
   </p:sldMasterIdLst>
   <p:notesMasterIdLst>
-    <p:notesMasterId r:id="rId5"/>
+    <p:notesMasterId r:id="rId13"/>
   </p:notesMasterIdLst>
   <p:handoutMasterIdLst>
-    <p:handoutMasterId r:id="rId6"/>
+    <p:handoutMasterId r:id="rId14"/>
   </p:handoutMasterIdLst>
   <p:sldIdLst>
     <p:sldId id="256" r:id="rId3"/>
     <p:sldId id="257" r:id="rId4"/>
+    <p:sldId id="258" r:id="rId5"/>
+    <p:sldId id="259" r:id="rId6"/>
+    <p:sldId id="260" r:id="rId7"/>
+    <p:sldId id="261" r:id="rId8"/>
+    <p:sldId id="262" r:id="rId9"/>
+    <p:sldId id="263" r:id="rId10"/>
+    <p:sldId id="264" r:id="rId11"/>
+    <p:sldId id="265" r:id="rId12"/>
   </p:sldIdLst>
   <p:sldSz cx="12192000" cy="6858000"/>
   <p:notesSz cx="7103745" cy="10234295"/>
@@ -111,22 +119,6 @@
       </a:defRPr>
     </a:lvl9pPr>
   </p:defaultTextStyle>
-  <p:extLst>
-    <p:ext uri="{EFAFB233-063F-42B5-8137-9DF3F51BA10A}">
-      <p15:sldGuideLst xmlns:p15="http://schemas.microsoft.com/office/powerpoint/2012/main">
-        <p15:guide id="1" orient="horz" pos="2159" userDrawn="1">
-          <p15:clr>
-            <a:srgbClr val="A4A3A4"/>
-          </p15:clr>
-        </p15:guide>
-        <p15:guide id="2" pos="3840" userDrawn="1">
-          <p15:clr>
-            <a:srgbClr val="A4A3A4"/>
-          </p15:clr>
-        </p15:guide>
-      </p15:sldGuideLst>
-    </p:ext>
-  </p:extLst>
 </p:presentation>
 </file>
 
@@ -2947,12 +2939,17 @@
   <p:cSld>
     <p:bg>
       <p:bgPr>
-        <a:blipFill>
-          <a:blip r:embed="rId11"/>
-          <a:stretch>
-            <a:fillRect/>
-          </a:stretch>
-        </a:blipFill>
+        <a:gradFill rotWithShape="0">
+          <a:gsLst>
+            <a:gs pos="0">
+              <a:srgbClr val="9E655F"/>
+            </a:gs>
+            <a:gs pos="58000">
+              <a:srgbClr val="F4B169"/>
+            </a:gs>
+          </a:gsLst>
+          <a:lin ang="3000000" scaled="0"/>
+        </a:gradFill>
         <a:effectLst/>
       </p:bgPr>
     </p:bg>
@@ -3040,7 +3037,7 @@
               </a:spcAft>
               <a:buClrTx/>
               <a:buSzTx/>
-              <a:buFont typeface="Arial" panose="020B0604020202020204" pitchFamily="34" charset="0"/>
+              <a:buFont typeface="Arial" panose="02080604020202020204" pitchFamily="34" charset="0"/>
               <a:buChar char="•"/>
               <a:defRPr/>
             </a:pPr>
@@ -3259,7 +3256,7 @@
         </a:spcAft>
         <a:buClrTx/>
         <a:buSzTx/>
-        <a:buFont typeface="Arial" panose="020B0604020202020204" pitchFamily="34" charset="0"/>
+        <a:buFont typeface="Arial" panose="02080604020202020204" pitchFamily="34" charset="0"/>
         <a:buNone/>
         <a:defRPr sz="2800" b="0" kern="1200">
           <a:solidFill>
@@ -3277,7 +3274,7 @@
         <a:spcBef>
           <a:spcPts val="500"/>
         </a:spcBef>
-        <a:buFont typeface="Arial" panose="020B0604020202020204" pitchFamily="34" charset="0"/>
+        <a:buFont typeface="Arial" panose="02080604020202020204" pitchFamily="34" charset="0"/>
         <a:buChar char="•"/>
         <a:defRPr sz="2400" kern="1200" baseline="0">
           <a:solidFill>
@@ -3295,7 +3292,7 @@
         <a:spcBef>
           <a:spcPts val="500"/>
         </a:spcBef>
-        <a:buFont typeface="Arial" panose="020B0604020202020204" pitchFamily="34" charset="0"/>
+        <a:buFont typeface="Arial" panose="02080604020202020204" pitchFamily="34" charset="0"/>
         <a:buChar char="•"/>
         <a:defRPr sz="2000" kern="1200" baseline="0">
           <a:solidFill>
@@ -3314,7 +3311,7 @@
         <a:spcBef>
           <a:spcPts val="500"/>
         </a:spcBef>
-        <a:buFont typeface="Arial" panose="020B0604020202020204" pitchFamily="34" charset="0"/>
+        <a:buFont typeface="Arial" panose="02080604020202020204" pitchFamily="34" charset="0"/>
         <a:buChar char="•"/>
         <a:defRPr sz="1800" kern="1200" baseline="0">
           <a:solidFill>
@@ -3333,7 +3330,7 @@
         <a:spcBef>
           <a:spcPts val="500"/>
         </a:spcBef>
-        <a:buFont typeface="Arial" panose="020B0604020202020204" pitchFamily="34" charset="0"/>
+        <a:buFont typeface="Arial" panose="02080604020202020204" pitchFamily="34" charset="0"/>
         <a:buChar char="•"/>
         <a:defRPr sz="1800" kern="1200" baseline="0">
           <a:solidFill>
@@ -3352,7 +3349,7 @@
         <a:spcBef>
           <a:spcPts val="500"/>
         </a:spcBef>
-        <a:buFont typeface="Arial" panose="020B0604020202020204" pitchFamily="34" charset="0"/>
+        <a:buFont typeface="Arial" panose="02080604020202020204" pitchFamily="34" charset="0"/>
         <a:buChar char="•"/>
         <a:defRPr sz="1800" kern="1200">
           <a:solidFill>
@@ -3370,7 +3367,7 @@
         <a:spcBef>
           <a:spcPts val="500"/>
         </a:spcBef>
-        <a:buFont typeface="Arial" panose="020B0604020202020204" pitchFamily="34" charset="0"/>
+        <a:buFont typeface="Arial" panose="02080604020202020204" pitchFamily="34" charset="0"/>
         <a:buChar char="•"/>
         <a:defRPr sz="1800" kern="1200">
           <a:solidFill>
@@ -3388,7 +3385,7 @@
         <a:spcBef>
           <a:spcPts val="500"/>
         </a:spcBef>
-        <a:buFont typeface="Arial" panose="020B0604020202020204" pitchFamily="34" charset="0"/>
+        <a:buFont typeface="Arial" panose="02080604020202020204" pitchFamily="34" charset="0"/>
         <a:buChar char="•"/>
         <a:defRPr sz="1800" kern="1200">
           <a:solidFill>
@@ -3406,7 +3403,7 @@
         <a:spcBef>
           <a:spcPts val="500"/>
         </a:spcBef>
-        <a:buFont typeface="Arial" panose="020B0604020202020204" pitchFamily="34" charset="0"/>
+        <a:buFont typeface="Arial" panose="02080604020202020204" pitchFamily="34" charset="0"/>
         <a:buChar char="•"/>
         <a:defRPr sz="1800" kern="1200">
           <a:solidFill>
@@ -3577,7 +3574,7 @@
         </p:nvSpPr>
         <p:spPr>
           <a:xfrm>
-            <a:off x="1524000" y="3602355"/>
+            <a:off x="1524635" y="4292600"/>
             <a:ext cx="9695815" cy="1655445"/>
           </a:xfrm>
         </p:spPr>
@@ -3610,6 +3607,152 @@
           </a:p>
         </p:txBody>
       </p:sp>
+    </p:spTree>
+  </p:cSld>
+  <p:clrMapOvr>
+    <a:masterClrMapping/>
+  </p:clrMapOvr>
+</p:sld>
+</file>
+
+<file path=ppt/slides/slide10.xml><?xml version="1.0" encoding="utf-8"?>
+<p:sld xmlns:a="http://schemas.openxmlformats.org/drawingml/2006/main" xmlns:r="http://schemas.openxmlformats.org/officeDocument/2006/relationships" xmlns:p="http://schemas.openxmlformats.org/presentationml/2006/main">
+  <p:cSld>
+    <p:spTree>
+      <p:nvGrpSpPr>
+        <p:cNvPr id="1" name=""/>
+        <p:cNvGrpSpPr/>
+        <p:nvPr/>
+      </p:nvGrpSpPr>
+      <p:grpSpPr/>
+      <p:sp>
+        <p:nvSpPr>
+          <p:cNvPr id="2" name="Заголовок 1"/>
+          <p:cNvSpPr>
+            <a:spLocks noGrp="1"/>
+          </p:cNvSpPr>
+          <p:nvPr>
+            <p:ph type="title"/>
+          </p:nvPr>
+        </p:nvSpPr>
+        <p:spPr>
+          <a:xfrm>
+            <a:off x="647700" y="258445"/>
+            <a:ext cx="4926965" cy="1325880"/>
+          </a:xfrm>
+        </p:spPr>
+        <p:txBody>
+          <a:bodyPr>
+            <a:normAutofit fontScale="90000"/>
+          </a:bodyPr>
+          <a:p>
+            <a:r>
+              <a:rPr lang="ru-RU" altLang="en-US"/>
+              <a:t>Ссылка на сайт:</a:t>
+            </a:r>
+            <a:endParaRPr lang="ru-RU" altLang="en-US"/>
+          </a:p>
+        </p:txBody>
+      </p:sp>
+      <p:sp>
+        <p:nvSpPr>
+          <p:cNvPr id="5" name="Заголовок 1"/>
+          <p:cNvSpPr>
+            <a:spLocks noGrp="1"/>
+          </p:cNvSpPr>
+          <p:nvPr/>
+        </p:nvSpPr>
+        <p:spPr>
+          <a:xfrm>
+            <a:off x="6025515" y="258445"/>
+            <a:ext cx="4926965" cy="1325880"/>
+          </a:xfrm>
+          <a:prstGeom prst="rect">
+            <a:avLst/>
+          </a:prstGeom>
+        </p:spPr>
+        <p:txBody>
+          <a:bodyPr vert="horz" lIns="91440" tIns="45720" rIns="91440" bIns="45720" rtlCol="0" anchor="ctr" anchorCtr="0">
+            <a:normAutofit fontScale="90000"/>
+          </a:bodyPr>
+          <a:lstStyle>
+            <a:lvl1pPr algn="l" defTabSz="914400" rtl="0" eaLnBrk="1" latinLnBrk="0" hangingPunct="1">
+              <a:lnSpc>
+                <a:spcPct val="90000"/>
+              </a:lnSpc>
+              <a:spcBef>
+                <a:spcPct val="0"/>
+              </a:spcBef>
+              <a:buNone/>
+              <a:defRPr sz="4400" b="1" kern="1200">
+                <a:solidFill>
+                  <a:schemeClr val="tx1"/>
+                </a:solidFill>
+                <a:effectLst/>
+                <a:latin typeface="Calibri Light" panose="020F0302020204030204" pitchFamily="34" charset="0"/>
+                <a:ea typeface="+mj-ea"/>
+                <a:cs typeface="+mj-cs"/>
+              </a:defRPr>
+            </a:lvl1pPr>
+          </a:lstStyle>
+          <a:p>
+            <a:pPr algn="ctr"/>
+            <a:r>
+              <a:rPr lang="ru-RU" altLang="en-US"/>
+              <a:t>Ссылка на исходный код:</a:t>
+            </a:r>
+            <a:endParaRPr lang="ru-RU" altLang="en-US"/>
+          </a:p>
+        </p:txBody>
+      </p:sp>
+      <p:pic>
+        <p:nvPicPr>
+          <p:cNvPr id="6" name="Изображение 5" descr="siteQR"/>
+          <p:cNvPicPr>
+            <a:picLocks noChangeAspect="1"/>
+          </p:cNvPicPr>
+          <p:nvPr/>
+        </p:nvPicPr>
+        <p:blipFill>
+          <a:blip r:embed="rId1"/>
+          <a:stretch>
+            <a:fillRect/>
+          </a:stretch>
+        </p:blipFill>
+        <p:spPr>
+          <a:xfrm>
+            <a:off x="1069340" y="1762760"/>
+            <a:ext cx="4083685" cy="4083685"/>
+          </a:xfrm>
+          <a:prstGeom prst="rect">
+            <a:avLst/>
+          </a:prstGeom>
+        </p:spPr>
+      </p:pic>
+      <p:pic>
+        <p:nvPicPr>
+          <p:cNvPr id="7" name="Изображение 6" descr="codeQR"/>
+          <p:cNvPicPr>
+            <a:picLocks noChangeAspect="1"/>
+          </p:cNvPicPr>
+          <p:nvPr/>
+        </p:nvPicPr>
+        <p:blipFill>
+          <a:blip r:embed="rId2"/>
+          <a:stretch>
+            <a:fillRect/>
+          </a:stretch>
+        </p:blipFill>
+        <p:spPr>
+          <a:xfrm>
+            <a:off x="6446520" y="1762760"/>
+            <a:ext cx="4084320" cy="4084320"/>
+          </a:xfrm>
+          <a:prstGeom prst="rect">
+            <a:avLst/>
+          </a:prstGeom>
+        </p:spPr>
+      </p:pic>
     </p:spTree>
   </p:cSld>
   <p:clrMapOvr>
@@ -3621,6 +3764,22 @@
 <file path=ppt/slides/slide2.xml><?xml version="1.0" encoding="utf-8"?>
 <p:sld xmlns:a="http://schemas.openxmlformats.org/drawingml/2006/main" xmlns:r="http://schemas.openxmlformats.org/officeDocument/2006/relationships" xmlns:p="http://schemas.openxmlformats.org/presentationml/2006/main">
   <p:cSld>
+    <p:bg>
+      <p:bgPr>
+        <a:gradFill rotWithShape="0">
+          <a:gsLst>
+            <a:gs pos="0">
+              <a:srgbClr val="A46B65"/>
+            </a:gs>
+            <a:gs pos="58000">
+              <a:srgbClr val="F4B169"/>
+            </a:gs>
+          </a:gsLst>
+          <a:lin ang="3000000" scaled="0"/>
+        </a:gradFill>
+        <a:effectLst/>
+      </p:bgPr>
+    </p:bg>
     <p:spTree>
       <p:nvGrpSpPr>
         <p:cNvPr id="1" name=""/>
@@ -3644,7 +3803,7 @@
           <a:p>
             <a:r>
               <a:rPr lang="ru-RU" altLang="en-US"/>
-              <a:t>Введение</a:t>
+              <a:t>Идеи и цели</a:t>
             </a:r>
             <a:endParaRPr lang="ru-RU" altLang="en-US"/>
           </a:p>
@@ -3666,501 +3825,851 @@
             <a:normAutofit/>
           </a:bodyPr>
           <a:p>
-            <a:pPr marL="379730" indent="-379730">
+            <a:pPr marL="631190" indent="-443230" defTabSz="914400">
               <a:lnSpc>
                 <a:spcPct val="150000"/>
               </a:lnSpc>
               <a:spcBef>
                 <a:spcPts val="0"/>
               </a:spcBef>
+              <a:tabLst>
+                <a:tab pos="228600" algn="l"/>
+              </a:tabLst>
             </a:pPr>
             <a:r>
-              <a:rPr lang="zh-CN" altLang="en-US" sz="2400">
+              <a:rPr lang="ru-RU" sz="3600">
                 <a:latin typeface="Times New Roman" panose="02020603050405020304" charset="0"/>
                 <a:cs typeface="Times New Roman" panose="02020603050405020304" charset="0"/>
               </a:rPr>
-              <a:t>🧠</a:t>
-            </a:r>
-            <a:r>
-              <a:rPr lang="en-US" altLang="ru-RU" sz="2400">
-                <a:latin typeface="Times New Roman" panose="02020603050405020304" charset="0"/>
-                <a:cs typeface="Times New Roman" panose="02020603050405020304" charset="0"/>
-              </a:rPr>
-              <a:t>  </a:t>
-            </a:r>
-            <a:r>
-              <a:rPr lang="en-US" altLang="en-US" sz="2400">
-                <a:latin typeface="Times New Roman" panose="02020603050405020304" charset="0"/>
-                <a:cs typeface="Times New Roman" panose="02020603050405020304" charset="0"/>
-              </a:rPr>
-              <a:t>Идея: cайт</a:t>
-            </a:r>
-            <a:r>
-              <a:rPr lang="en-US" altLang="ru-RU" sz="2400">
-                <a:latin typeface="Times New Roman" panose="02020603050405020304" charset="0"/>
-                <a:cs typeface="Times New Roman" panose="02020603050405020304" charset="0"/>
-              </a:rPr>
-              <a:t>, </a:t>
-            </a:r>
-            <a:r>
-              <a:rPr lang="en-US" altLang="en-US" sz="2400">
-                <a:latin typeface="Times New Roman" panose="02020603050405020304" charset="0"/>
-                <a:cs typeface="Times New Roman" panose="02020603050405020304" charset="0"/>
-              </a:rPr>
-              <a:t>который</a:t>
-            </a:r>
-            <a:r>
-              <a:rPr lang="en-US" altLang="ru-RU" sz="2400">
-                <a:latin typeface="Times New Roman" panose="02020603050405020304" charset="0"/>
-                <a:cs typeface="Times New Roman" panose="02020603050405020304" charset="0"/>
-              </a:rPr>
-              <a:t> </a:t>
-            </a:r>
-            <a:r>
-              <a:rPr lang="en-US" altLang="en-US" sz="2400">
-                <a:latin typeface="Times New Roman" panose="02020603050405020304" charset="0"/>
-                <a:cs typeface="Times New Roman" panose="02020603050405020304" charset="0"/>
-              </a:rPr>
-              <a:t>проверяет</a:t>
-            </a:r>
-            <a:r>
-              <a:rPr lang="en-US" altLang="ru-RU" sz="2400">
-                <a:latin typeface="Times New Roman" panose="02020603050405020304" charset="0"/>
-                <a:cs typeface="Times New Roman" panose="02020603050405020304" charset="0"/>
-              </a:rPr>
-              <a:t> </a:t>
-            </a:r>
-            <a:r>
-              <a:rPr lang="en-US" altLang="en-US" sz="2400">
-                <a:latin typeface="Times New Roman" panose="02020603050405020304" charset="0"/>
-                <a:cs typeface="Times New Roman" panose="02020603050405020304" charset="0"/>
-              </a:rPr>
-              <a:t>ваш</a:t>
-            </a:r>
-            <a:r>
-              <a:rPr lang="en-US" altLang="ru-RU" sz="2400">
-                <a:latin typeface="Times New Roman" panose="02020603050405020304" charset="0"/>
-                <a:cs typeface="Times New Roman" panose="02020603050405020304" charset="0"/>
-              </a:rPr>
-              <a:t> </a:t>
-            </a:r>
-            <a:r>
-              <a:rPr lang="en-US" altLang="en-US" sz="2400">
-                <a:latin typeface="Times New Roman" panose="02020603050405020304" charset="0"/>
-                <a:cs typeface="Times New Roman" panose="02020603050405020304" charset="0"/>
-              </a:rPr>
-              <a:t>пароль</a:t>
-            </a:r>
-            <a:r>
-              <a:rPr lang="en-US" altLang="ru-RU" sz="2400">
-                <a:latin typeface="Times New Roman" panose="02020603050405020304" charset="0"/>
-                <a:cs typeface="Times New Roman" panose="02020603050405020304" charset="0"/>
-              </a:rPr>
-              <a:t> </a:t>
-            </a:r>
-            <a:r>
-              <a:rPr lang="en-US" altLang="en-US" sz="2400">
-                <a:latin typeface="Times New Roman" panose="02020603050405020304" charset="0"/>
-                <a:cs typeface="Times New Roman" panose="02020603050405020304" charset="0"/>
-              </a:rPr>
-              <a:t>и</a:t>
-            </a:r>
-            <a:r>
-              <a:rPr lang="en-US" altLang="ru-RU" sz="2400">
-                <a:latin typeface="Times New Roman" panose="02020603050405020304" charset="0"/>
-                <a:cs typeface="Times New Roman" panose="02020603050405020304" charset="0"/>
-              </a:rPr>
-              <a:t> </a:t>
-            </a:r>
-            <a:r>
-              <a:rPr lang="en-US" altLang="en-US" sz="2400">
-                <a:latin typeface="Times New Roman" panose="02020603050405020304" charset="0"/>
-                <a:cs typeface="Times New Roman" panose="02020603050405020304" charset="0"/>
-              </a:rPr>
-              <a:t>выдаёт</a:t>
-            </a:r>
-            <a:r>
-              <a:rPr lang="en-US" altLang="ru-RU" sz="2400">
-                <a:latin typeface="Times New Roman" panose="02020603050405020304" charset="0"/>
-                <a:cs typeface="Times New Roman" panose="02020603050405020304" charset="0"/>
-              </a:rPr>
-              <a:t> </a:t>
-            </a:r>
-            <a:r>
-              <a:rPr lang="en-US" altLang="en-US" sz="2400">
-                <a:latin typeface="Times New Roman" panose="02020603050405020304" charset="0"/>
-                <a:cs typeface="Times New Roman" panose="02020603050405020304" charset="0"/>
-              </a:rPr>
-              <a:t>честную</a:t>
-            </a:r>
-            <a:r>
-              <a:rPr lang="en-US" altLang="ru-RU" sz="2400">
-                <a:latin typeface="Times New Roman" panose="02020603050405020304" charset="0"/>
-                <a:cs typeface="Times New Roman" panose="02020603050405020304" charset="0"/>
-              </a:rPr>
-              <a:t> </a:t>
-            </a:r>
-            <a:r>
-              <a:rPr lang="en-US" altLang="en-US" sz="2400">
-                <a:latin typeface="Times New Roman" panose="02020603050405020304" charset="0"/>
-                <a:cs typeface="Times New Roman" panose="02020603050405020304" charset="0"/>
-              </a:rPr>
-              <a:t>оценку</a:t>
-            </a:r>
-            <a:r>
-              <a:rPr lang="en-US" altLang="ru-RU" sz="2400">
-                <a:latin typeface="Times New Roman" panose="02020603050405020304" charset="0"/>
-                <a:cs typeface="Times New Roman" panose="02020603050405020304" charset="0"/>
-              </a:rPr>
-              <a:t> — </a:t>
-            </a:r>
-            <a:r>
-              <a:rPr lang="en-US" altLang="en-US" sz="2400">
-                <a:latin typeface="Times New Roman" panose="02020603050405020304" charset="0"/>
-                <a:cs typeface="Times New Roman" panose="02020603050405020304" charset="0"/>
-              </a:rPr>
-              <a:t>с</a:t>
-            </a:r>
-            <a:r>
-              <a:rPr lang="en-US" altLang="ru-RU" sz="2400">
-                <a:latin typeface="Times New Roman" panose="02020603050405020304" charset="0"/>
-                <a:cs typeface="Times New Roman" panose="02020603050405020304" charset="0"/>
-              </a:rPr>
-              <a:t> </a:t>
-            </a:r>
-            <a:r>
-              <a:rPr lang="en-US" altLang="en-US" sz="2400">
-                <a:latin typeface="Times New Roman" panose="02020603050405020304" charset="0"/>
-                <a:cs typeface="Times New Roman" panose="02020603050405020304" charset="0"/>
-              </a:rPr>
-              <a:t>юмором</a:t>
-            </a:r>
-            <a:r>
-              <a:rPr lang="en-US" altLang="ru-RU" sz="2400">
-                <a:latin typeface="Times New Roman" panose="02020603050405020304" charset="0"/>
-                <a:cs typeface="Times New Roman" panose="02020603050405020304" charset="0"/>
-              </a:rPr>
-              <a:t> </a:t>
-            </a:r>
-            <a:r>
-              <a:rPr lang="en-US" altLang="en-US" sz="2400">
-                <a:latin typeface="Times New Roman" panose="02020603050405020304" charset="0"/>
-                <a:cs typeface="Times New Roman" panose="02020603050405020304" charset="0"/>
-              </a:rPr>
-              <a:t>и</a:t>
-            </a:r>
-            <a:r>
-              <a:rPr lang="en-US" altLang="ru-RU" sz="2400">
-                <a:latin typeface="Times New Roman" panose="02020603050405020304" charset="0"/>
-                <a:cs typeface="Times New Roman" panose="02020603050405020304" charset="0"/>
-              </a:rPr>
-              <a:t> </a:t>
-            </a:r>
-            <a:r>
-              <a:rPr lang="en-US" altLang="en-US" sz="2400">
-                <a:latin typeface="Times New Roman" panose="02020603050405020304" charset="0"/>
-                <a:cs typeface="Times New Roman" panose="02020603050405020304" charset="0"/>
-              </a:rPr>
-              <a:t>без</a:t>
-            </a:r>
-            <a:r>
-              <a:rPr lang="en-US" altLang="ru-RU" sz="2400">
-                <a:latin typeface="Times New Roman" panose="02020603050405020304" charset="0"/>
-                <a:cs typeface="Times New Roman" panose="02020603050405020304" charset="0"/>
-              </a:rPr>
-              <a:t> </a:t>
-            </a:r>
-            <a:r>
-              <a:rPr lang="en-US" altLang="en-US" sz="2400">
-                <a:latin typeface="Times New Roman" panose="02020603050405020304" charset="0"/>
-                <a:cs typeface="Times New Roman" panose="02020603050405020304" charset="0"/>
-              </a:rPr>
-              <a:t>прикрас</a:t>
-            </a:r>
-            <a:r>
-              <a:rPr lang="en-US" altLang="ru-RU" sz="2400">
-                <a:latin typeface="Times New Roman" panose="02020603050405020304" charset="0"/>
-                <a:cs typeface="Times New Roman" panose="02020603050405020304" charset="0"/>
-              </a:rPr>
-              <a:t>. </a:t>
-            </a:r>
-            <a:endParaRPr lang="en-US" altLang="ru-RU" sz="2400">
+              <a:t>Позволить пользователю проверить его пароль на сложность</a:t>
+            </a:r>
+            <a:endParaRPr sz="3600">
               <a:latin typeface="Times New Roman" panose="02020603050405020304" charset="0"/>
               <a:cs typeface="Times New Roman" panose="02020603050405020304" charset="0"/>
             </a:endParaRPr>
           </a:p>
           <a:p>
-            <a:pPr marL="379730" indent="-379730">
+            <a:pPr marL="631190" indent="-443230" defTabSz="914400">
               <a:lnSpc>
                 <a:spcPct val="150000"/>
               </a:lnSpc>
               <a:spcBef>
                 <a:spcPts val="0"/>
               </a:spcBef>
+              <a:tabLst>
+                <a:tab pos="228600" algn="l"/>
+              </a:tabLst>
             </a:pPr>
             <a:r>
-              <a:rPr lang="zh-CN" altLang="en-US" sz="2400">
+              <a:rPr sz="3600">
                 <a:latin typeface="Times New Roman" panose="02020603050405020304" charset="0"/>
                 <a:cs typeface="Times New Roman" panose="02020603050405020304" charset="0"/>
               </a:rPr>
-              <a:t>🎯</a:t>
-            </a:r>
-            <a:r>
-              <a:rPr lang="en-US" altLang="ru-RU" sz="2400">
-                <a:latin typeface="Times New Roman" panose="02020603050405020304" charset="0"/>
-                <a:cs typeface="Times New Roman" panose="02020603050405020304" charset="0"/>
-              </a:rPr>
-              <a:t>  </a:t>
-            </a:r>
-            <a:r>
-              <a:rPr lang="en-US" altLang="en-US" sz="2400">
-                <a:latin typeface="Times New Roman" panose="02020603050405020304" charset="0"/>
-                <a:cs typeface="Times New Roman" panose="02020603050405020304" charset="0"/>
-              </a:rPr>
-              <a:t>Цель</a:t>
-            </a:r>
-            <a:r>
-              <a:rPr lang="en-US" altLang="ru-RU" sz="2400">
-                <a:latin typeface="Times New Roman" panose="02020603050405020304" charset="0"/>
-                <a:cs typeface="Times New Roman" panose="02020603050405020304" charset="0"/>
-              </a:rPr>
-              <a:t>: </a:t>
-            </a:r>
-            <a:endParaRPr lang="en-US" altLang="ru-RU" sz="2400">
+              <a:t>Научить создавать безопасные пароли  </a:t>
+            </a:r>
+            <a:endParaRPr sz="3600">
               <a:latin typeface="Times New Roman" panose="02020603050405020304" charset="0"/>
               <a:cs typeface="Times New Roman" panose="02020603050405020304" charset="0"/>
             </a:endParaRPr>
           </a:p>
           <a:p>
-            <a:pPr marL="379730" indent="-379730">
+            <a:pPr marL="631190" indent="-443230" defTabSz="914400">
               <a:lnSpc>
                 <a:spcPct val="150000"/>
               </a:lnSpc>
               <a:spcBef>
                 <a:spcPts val="0"/>
               </a:spcBef>
+              <a:tabLst>
+                <a:tab pos="228600" algn="l"/>
+              </a:tabLst>
             </a:pPr>
             <a:r>
-              <a:rPr lang="en-US" altLang="en-US" sz="2400">
+              <a:rPr lang="ru-RU" sz="3600">
                 <a:latin typeface="Times New Roman" panose="02020603050405020304" charset="0"/>
                 <a:cs typeface="Times New Roman" panose="02020603050405020304" charset="0"/>
               </a:rPr>
-              <a:t>Повысить</a:t>
-            </a:r>
-            <a:r>
-              <a:rPr lang="en-US" altLang="ru-RU" sz="2400">
+              <a:t>Всё должно быть выполнено только </a:t>
+            </a:r>
+            <a:r>
+              <a:rPr sz="3600">
                 <a:latin typeface="Times New Roman" panose="02020603050405020304" charset="0"/>
                 <a:cs typeface="Times New Roman" panose="02020603050405020304" charset="0"/>
               </a:rPr>
-              <a:t> </a:t>
-            </a:r>
-            <a:r>
-              <a:rPr lang="en-US" altLang="en-US" sz="2400">
-                <a:latin typeface="Times New Roman" panose="02020603050405020304" charset="0"/>
-                <a:cs typeface="Times New Roman" panose="02020603050405020304" charset="0"/>
-              </a:rPr>
-              <a:t>осведомлённость</a:t>
-            </a:r>
-            <a:r>
-              <a:rPr lang="en-US" altLang="ru-RU" sz="2400">
-                <a:latin typeface="Times New Roman" panose="02020603050405020304" charset="0"/>
-                <a:cs typeface="Times New Roman" panose="02020603050405020304" charset="0"/>
-              </a:rPr>
-              <a:t> </a:t>
-            </a:r>
-            <a:r>
-              <a:rPr lang="en-US" altLang="en-US" sz="2400">
-                <a:latin typeface="Times New Roman" panose="02020603050405020304" charset="0"/>
-                <a:cs typeface="Times New Roman" panose="02020603050405020304" charset="0"/>
-              </a:rPr>
-              <a:t>пользователей</a:t>
-            </a:r>
-            <a:r>
-              <a:rPr lang="en-US" altLang="ru-RU" sz="2400">
-                <a:latin typeface="Times New Roman" panose="02020603050405020304" charset="0"/>
-                <a:cs typeface="Times New Roman" panose="02020603050405020304" charset="0"/>
-              </a:rPr>
-              <a:t> </a:t>
-            </a:r>
-            <a:r>
-              <a:rPr lang="en-US" altLang="en-US" sz="2400">
-                <a:latin typeface="Times New Roman" panose="02020603050405020304" charset="0"/>
-                <a:cs typeface="Times New Roman" panose="02020603050405020304" charset="0"/>
-              </a:rPr>
-              <a:t>о</a:t>
-            </a:r>
-            <a:r>
-              <a:rPr lang="en-US" altLang="ru-RU" sz="2400">
-                <a:latin typeface="Times New Roman" panose="02020603050405020304" charset="0"/>
-                <a:cs typeface="Times New Roman" panose="02020603050405020304" charset="0"/>
-              </a:rPr>
-              <a:t> </a:t>
-            </a:r>
-            <a:r>
-              <a:rPr lang="en-US" altLang="en-US" sz="2400">
-                <a:latin typeface="Times New Roman" panose="02020603050405020304" charset="0"/>
-                <a:cs typeface="Times New Roman" panose="02020603050405020304" charset="0"/>
-              </a:rPr>
-              <a:t>важности</a:t>
-            </a:r>
-            <a:r>
-              <a:rPr lang="en-US" altLang="ru-RU" sz="2400">
-                <a:latin typeface="Times New Roman" panose="02020603050405020304" charset="0"/>
-                <a:cs typeface="Times New Roman" panose="02020603050405020304" charset="0"/>
-              </a:rPr>
-              <a:t> </a:t>
-            </a:r>
-            <a:r>
-              <a:rPr lang="en-US" altLang="en-US" sz="2400">
-                <a:latin typeface="Times New Roman" panose="02020603050405020304" charset="0"/>
-                <a:cs typeface="Times New Roman" panose="02020603050405020304" charset="0"/>
-              </a:rPr>
-              <a:t>надёжных</a:t>
-            </a:r>
-            <a:r>
-              <a:rPr lang="en-US" altLang="ru-RU" sz="2400">
-                <a:latin typeface="Times New Roman" panose="02020603050405020304" charset="0"/>
-                <a:cs typeface="Times New Roman" panose="02020603050405020304" charset="0"/>
-              </a:rPr>
-              <a:t> </a:t>
-            </a:r>
-            <a:r>
-              <a:rPr lang="en-US" altLang="en-US" sz="2400">
-                <a:latin typeface="Times New Roman" panose="02020603050405020304" charset="0"/>
-                <a:cs typeface="Times New Roman" panose="02020603050405020304" charset="0"/>
-              </a:rPr>
-              <a:t>паролей</a:t>
-            </a:r>
-            <a:endParaRPr lang="en-US" altLang="en-US" sz="2400">
+              <a:t>с помощью нейросети</a:t>
+            </a:r>
+            <a:endParaRPr sz="3600">
               <a:latin typeface="Times New Roman" panose="02020603050405020304" charset="0"/>
               <a:cs typeface="Times New Roman" panose="02020603050405020304" charset="0"/>
             </a:endParaRPr>
           </a:p>
-          <a:p>
-            <a:pPr marL="379730" indent="-379730">
+        </p:txBody>
+      </p:sp>
+    </p:spTree>
+  </p:cSld>
+  <p:clrMapOvr>
+    <a:masterClrMapping/>
+  </p:clrMapOvr>
+</p:sld>
+</file>
+
+<file path=ppt/slides/slide3.xml><?xml version="1.0" encoding="utf-8"?>
+<p:sld xmlns:a="http://schemas.openxmlformats.org/drawingml/2006/main" xmlns:r="http://schemas.openxmlformats.org/officeDocument/2006/relationships" xmlns:p="http://schemas.openxmlformats.org/presentationml/2006/main">
+  <p:cSld>
+    <p:spTree>
+      <p:nvGrpSpPr>
+        <p:cNvPr id="1" name=""/>
+        <p:cNvGrpSpPr/>
+        <p:nvPr/>
+      </p:nvGrpSpPr>
+      <p:grpSpPr/>
+      <p:sp>
+        <p:nvSpPr>
+          <p:cNvPr id="2" name="Заголовок 1"/>
+          <p:cNvSpPr>
+            <a:spLocks noGrp="1"/>
+          </p:cNvSpPr>
+          <p:nvPr>
+            <p:ph type="title"/>
+          </p:nvPr>
+        </p:nvSpPr>
+        <p:spPr/>
+        <p:txBody>
+          <a:bodyPr>
+            <a:normAutofit fontScale="90000"/>
+          </a:bodyPr>
+          <a:p>
+            <a:r>
+              <a:rPr lang="ru-RU" altLang="en-US"/>
+              <a:t>Нейросеть (Qwen) сделала буквално всё в проекте:</a:t>
+            </a:r>
+            <a:endParaRPr lang="ru-RU" altLang="en-US"/>
+          </a:p>
+        </p:txBody>
+      </p:sp>
+      <p:sp>
+        <p:nvSpPr>
+          <p:cNvPr id="3" name="Замещающее содержимое 2"/>
+          <p:cNvSpPr>
+            <a:spLocks noGrp="1"/>
+          </p:cNvSpPr>
+          <p:nvPr>
+            <p:ph idx="1"/>
+          </p:nvPr>
+        </p:nvSpPr>
+        <p:spPr>
+          <a:xfrm>
+            <a:off x="647700" y="1825625"/>
+            <a:ext cx="11245850" cy="4351655"/>
+          </a:xfrm>
+        </p:spPr>
+        <p:txBody>
+          <a:bodyPr>
+            <a:normAutofit/>
+          </a:bodyPr>
+          <a:p>
+            <a:pPr marL="286385" indent="-286385"/>
+            <a:r>
+              <a:rPr lang="ru-RU" altLang="en-US" sz="3600">
+                <a:latin typeface="+mj-lt"/>
+                <a:cs typeface="+mj-lt"/>
+              </a:rPr>
+              <a:t>Придумала идею,</a:t>
+            </a:r>
+            <a:endParaRPr lang="ru-RU" altLang="en-US" sz="3600">
+              <a:latin typeface="+mj-lt"/>
+              <a:cs typeface="+mj-lt"/>
+            </a:endParaRPr>
+          </a:p>
+          <a:p>
+            <a:pPr marL="286385" indent="-286385"/>
+            <a:r>
+              <a:rPr lang="ru-RU" altLang="en-US" sz="3600">
+                <a:latin typeface="+mj-lt"/>
+                <a:cs typeface="+mj-lt"/>
+              </a:rPr>
+              <a:t>Написала код (HTML, CSS, JS),</a:t>
+            </a:r>
+            <a:endParaRPr lang="ru-RU" altLang="en-US" sz="3600">
+              <a:latin typeface="+mj-lt"/>
+              <a:cs typeface="+mj-lt"/>
+            </a:endParaRPr>
+          </a:p>
+          <a:p>
+            <a:pPr marL="286385" indent="-286385"/>
+            <a:r>
+              <a:rPr lang="ru-RU" altLang="en-US" sz="3600">
+                <a:latin typeface="+mj-lt"/>
+                <a:cs typeface="+mj-lt"/>
+              </a:rPr>
+              <a:t>Сделала дизайн интерфейса и анимации,</a:t>
+            </a:r>
+            <a:endParaRPr lang="ru-RU" altLang="en-US" sz="3600">
+              <a:latin typeface="+mj-lt"/>
+              <a:cs typeface="+mj-lt"/>
+            </a:endParaRPr>
+          </a:p>
+          <a:p>
+            <a:pPr marL="286385" indent="-286385"/>
+            <a:r>
+              <a:rPr lang="ru-RU" altLang="en-US" sz="3600">
+                <a:latin typeface="+mj-lt"/>
+                <a:cs typeface="+mj-lt"/>
+              </a:rPr>
+              <a:t>Подготовила данные(список очень слабых паролей и советы),</a:t>
+            </a:r>
+            <a:endParaRPr lang="ru-RU" altLang="en-US" sz="3600">
+              <a:latin typeface="+mj-lt"/>
+              <a:cs typeface="+mj-lt"/>
+            </a:endParaRPr>
+          </a:p>
+          <a:p>
+            <a:pPr marL="286385" indent="-286385"/>
+            <a:r>
+              <a:rPr lang="ru-RU" altLang="en-US" sz="3600">
+                <a:latin typeface="+mj-lt"/>
+                <a:cs typeface="+mj-lt"/>
+              </a:rPr>
+              <a:t>Даже этот текст написала нейросеть.</a:t>
+            </a:r>
+            <a:endParaRPr lang="ru-RU" altLang="en-US" sz="3600">
+              <a:latin typeface="+mj-lt"/>
+              <a:cs typeface="+mj-lt"/>
+            </a:endParaRPr>
+          </a:p>
+        </p:txBody>
+      </p:sp>
+    </p:spTree>
+  </p:cSld>
+  <p:clrMapOvr>
+    <a:masterClrMapping/>
+  </p:clrMapOvr>
+</p:sld>
+</file>
+
+<file path=ppt/slides/slide4.xml><?xml version="1.0" encoding="utf-8"?>
+<p:sld xmlns:a="http://schemas.openxmlformats.org/drawingml/2006/main" xmlns:r="http://schemas.openxmlformats.org/officeDocument/2006/relationships" xmlns:p="http://schemas.openxmlformats.org/presentationml/2006/main">
+  <p:cSld>
+    <p:spTree>
+      <p:nvGrpSpPr>
+        <p:cNvPr id="1" name=""/>
+        <p:cNvGrpSpPr/>
+        <p:nvPr/>
+      </p:nvGrpSpPr>
+      <p:grpSpPr/>
+      <p:sp>
+        <p:nvSpPr>
+          <p:cNvPr id="2" name="Заголовок 1"/>
+          <p:cNvSpPr>
+            <a:spLocks noGrp="1"/>
+          </p:cNvSpPr>
+          <p:nvPr>
+            <p:ph type="title"/>
+          </p:nvPr>
+        </p:nvSpPr>
+        <p:spPr/>
+        <p:txBody>
+          <a:bodyPr/>
+          <a:p>
+            <a:r>
+              <a:rPr lang="ru-RU" altLang="en-US"/>
+              <a:t>Особенности сайта</a:t>
+            </a:r>
+            <a:endParaRPr lang="ru-RU" altLang="en-US"/>
+          </a:p>
+        </p:txBody>
+      </p:sp>
+      <p:sp>
+        <p:nvSpPr>
+          <p:cNvPr id="3" name="Замещающее содержимое 2"/>
+          <p:cNvSpPr>
+            <a:spLocks noGrp="1"/>
+          </p:cNvSpPr>
+          <p:nvPr>
+            <p:ph idx="1"/>
+          </p:nvPr>
+        </p:nvSpPr>
+        <p:spPr>
+          <a:xfrm>
+            <a:off x="471170" y="1825625"/>
+            <a:ext cx="11618595" cy="4342130"/>
+          </a:xfrm>
+        </p:spPr>
+        <p:txBody>
+          <a:bodyPr/>
+          <a:p>
+            <a:pPr marL="227330" indent="-227330"/>
+            <a:r>
+              <a:rPr lang="ru-RU" altLang="en-US" sz="3600"/>
+              <a:t>Работает локально, без сервера  </a:t>
+            </a:r>
+            <a:endParaRPr lang="ru-RU" altLang="en-US" sz="3600"/>
+          </a:p>
+          <a:p>
+            <a:pPr marL="227330" indent="-227330"/>
+            <a:r>
+              <a:rPr lang="ru-RU" altLang="en-US" sz="3600"/>
+              <a:t>Не отправляет данные пользователя (пароли)</a:t>
+            </a:r>
+            <a:endParaRPr lang="ru-RU" altLang="en-US" sz="3600"/>
+          </a:p>
+          <a:p>
+            <a:pPr marL="227330" indent="-227330"/>
+            <a:r>
+              <a:rPr lang="ru-RU" altLang="en-US" sz="3600"/>
+              <a:t>Современный дизайн с анимациями  </a:t>
+            </a:r>
+            <a:endParaRPr lang="ru-RU" altLang="en-US" sz="3600"/>
+          </a:p>
+          <a:p>
+            <a:pPr marL="227330" indent="-227330"/>
+            <a:r>
+              <a:rPr lang="ru-RU" altLang="en-US" sz="3600"/>
+              <a:t>Встроенный генератор паролей  </a:t>
+            </a:r>
+            <a:endParaRPr lang="ru-RU" altLang="en-US" sz="3600"/>
+          </a:p>
+          <a:p>
+            <a:pPr marL="227330" indent="-227330"/>
+            <a:r>
+              <a:rPr lang="ru-RU" altLang="en-US" sz="3600"/>
+              <a:t>Возможность включить темную тему</a:t>
+            </a:r>
+            <a:endParaRPr lang="ru-RU" altLang="en-US" sz="3600"/>
+          </a:p>
+          <a:p>
+            <a:pPr marL="227330" indent="-227330"/>
+            <a:r>
+              <a:rPr lang="ru-RU" altLang="en-US" sz="3600"/>
+              <a:t>Проверка безопасности</a:t>
+            </a:r>
+            <a:endParaRPr lang="ru-RU" altLang="en-US" sz="3600"/>
+          </a:p>
+        </p:txBody>
+      </p:sp>
+    </p:spTree>
+  </p:cSld>
+  <p:clrMapOvr>
+    <a:masterClrMapping/>
+  </p:clrMapOvr>
+</p:sld>
+</file>
+
+<file path=ppt/slides/slide5.xml><?xml version="1.0" encoding="utf-8"?>
+<p:sld xmlns:a="http://schemas.openxmlformats.org/drawingml/2006/main" xmlns:r="http://schemas.openxmlformats.org/officeDocument/2006/relationships" xmlns:p="http://schemas.openxmlformats.org/presentationml/2006/main">
+  <p:cSld>
+    <p:spTree>
+      <p:nvGrpSpPr>
+        <p:cNvPr id="1" name=""/>
+        <p:cNvGrpSpPr/>
+        <p:nvPr/>
+      </p:nvGrpSpPr>
+      <p:grpSpPr/>
+      <p:sp>
+        <p:nvSpPr>
+          <p:cNvPr id="2" name="Заголовок 1"/>
+          <p:cNvSpPr>
+            <a:spLocks noGrp="1"/>
+          </p:cNvSpPr>
+          <p:nvPr>
+            <p:ph type="title"/>
+          </p:nvPr>
+        </p:nvSpPr>
+        <p:spPr/>
+        <p:txBody>
+          <a:bodyPr>
+            <a:normAutofit fontScale="90000"/>
+          </a:bodyPr>
+          <a:p>
+            <a:r>
+              <a:rPr lang="ru-RU" altLang="en-US"/>
+              <a:t>Как происходит проверка пароля</a:t>
+            </a:r>
+            <a:endParaRPr lang="ru-RU" altLang="en-US"/>
+          </a:p>
+        </p:txBody>
+      </p:sp>
+      <p:sp>
+        <p:nvSpPr>
+          <p:cNvPr id="3" name="Замещающее содержимое 2"/>
+          <p:cNvSpPr>
+            <a:spLocks noGrp="1"/>
+          </p:cNvSpPr>
+          <p:nvPr>
+            <p:ph idx="1"/>
+          </p:nvPr>
+        </p:nvSpPr>
+        <p:spPr/>
+        <p:txBody>
+          <a:bodyPr/>
+          <a:p>
+            <a:pPr marL="514350" indent="-514350">
               <a:lnSpc>
-                <a:spcPct val="150000"/>
+                <a:spcPct val="110000"/>
               </a:lnSpc>
-              <a:spcBef>
-                <a:spcPts val="0"/>
-              </a:spcBef>
+              <a:buFont typeface="+mj-lt"/>
+              <a:buAutoNum type="arabicParenR"/>
             </a:pPr>
             <a:r>
-              <a:rPr lang="en-US" altLang="en-US" sz="2400">
-                <a:latin typeface="Times New Roman" panose="02020603050405020304" charset="0"/>
-                <a:cs typeface="Times New Roman" panose="02020603050405020304" charset="0"/>
+              <a:rPr lang="ru-RU" altLang="en-US" sz="3600">
+                <a:latin typeface="+mj-lt"/>
+                <a:cs typeface="+mj-lt"/>
               </a:rPr>
-              <a:t>Сделать</a:t>
-            </a:r>
-            <a:r>
-              <a:rPr lang="en-US" altLang="ru-RU" sz="2400">
-                <a:latin typeface="Times New Roman" panose="02020603050405020304" charset="0"/>
-                <a:cs typeface="Times New Roman" panose="02020603050405020304" charset="0"/>
+              <a:t>Есть ли пароль в списке слабых  </a:t>
+            </a:r>
+            <a:endParaRPr lang="ru-RU" altLang="en-US" sz="3600">
+              <a:latin typeface="+mj-lt"/>
+              <a:cs typeface="+mj-lt"/>
+            </a:endParaRPr>
+          </a:p>
+          <a:p>
+            <a:pPr marL="514350" indent="-514350">
+              <a:lnSpc>
+                <a:spcPct val="110000"/>
+              </a:lnSpc>
+              <a:buFont typeface="+mj-lt"/>
+              <a:buAutoNum type="arabicParenR"/>
+            </a:pPr>
+            <a:r>
+              <a:rPr lang="ru-RU" altLang="en-US" sz="3600">
+                <a:latin typeface="+mj-lt"/>
+                <a:cs typeface="+mj-lt"/>
               </a:rPr>
-              <a:t> </a:t>
-            </a:r>
-            <a:r>
-              <a:rPr lang="en-US" altLang="en-US" sz="2400">
-                <a:latin typeface="Times New Roman" panose="02020603050405020304" charset="0"/>
-                <a:cs typeface="Times New Roman" panose="02020603050405020304" charset="0"/>
+              <a:t>Наличие разных типов символов  </a:t>
+            </a:r>
+            <a:endParaRPr lang="ru-RU" altLang="en-US" sz="3600">
+              <a:latin typeface="+mj-lt"/>
+              <a:cs typeface="+mj-lt"/>
+            </a:endParaRPr>
+          </a:p>
+          <a:p>
+            <a:pPr marL="514350" indent="-514350">
+              <a:lnSpc>
+                <a:spcPct val="110000"/>
+              </a:lnSpc>
+              <a:buFont typeface="+mj-lt"/>
+              <a:buAutoNum type="arabicParenR"/>
+            </a:pPr>
+            <a:r>
+              <a:rPr lang="ru-RU" altLang="en-US" sz="3600">
+                <a:latin typeface="+mj-lt"/>
+                <a:cs typeface="+mj-lt"/>
               </a:rPr>
-              <a:t>обучение</a:t>
-            </a:r>
-            <a:r>
-              <a:rPr lang="en-US" altLang="ru-RU" sz="2400">
-                <a:latin typeface="Times New Roman" panose="02020603050405020304" charset="0"/>
-                <a:cs typeface="Times New Roman" panose="02020603050405020304" charset="0"/>
+              <a:t>Длина и повторения  </a:t>
+            </a:r>
+            <a:endParaRPr lang="ru-RU" altLang="en-US" sz="3600">
+              <a:latin typeface="+mj-lt"/>
+              <a:cs typeface="+mj-lt"/>
+            </a:endParaRPr>
+          </a:p>
+          <a:p>
+            <a:pPr marL="514350" indent="-514350">
+              <a:lnSpc>
+                <a:spcPct val="110000"/>
+              </a:lnSpc>
+              <a:buFont typeface="+mj-lt"/>
+              <a:buAutoNum type="arabicParenR"/>
+            </a:pPr>
+            <a:r>
+              <a:rPr lang="ru-RU" altLang="en-US" sz="3600">
+                <a:latin typeface="+mj-lt"/>
+                <a:cs typeface="+mj-lt"/>
               </a:rPr>
-              <a:t> </a:t>
-            </a:r>
-            <a:r>
-              <a:rPr lang="en-US" altLang="en-US" sz="2400">
-                <a:latin typeface="Times New Roman" panose="02020603050405020304" charset="0"/>
-                <a:cs typeface="Times New Roman" panose="02020603050405020304" charset="0"/>
-              </a:rPr>
-              <a:t>безопасной</a:t>
-            </a:r>
-            <a:r>
-              <a:rPr lang="en-US" altLang="ru-RU" sz="2400">
-                <a:latin typeface="Times New Roman" panose="02020603050405020304" charset="0"/>
-                <a:cs typeface="Times New Roman" panose="02020603050405020304" charset="0"/>
-              </a:rPr>
-              <a:t> </a:t>
-            </a:r>
-            <a:r>
-              <a:rPr lang="en-US" altLang="en-US" sz="2400">
-                <a:latin typeface="Times New Roman" panose="02020603050405020304" charset="0"/>
-                <a:cs typeface="Times New Roman" panose="02020603050405020304" charset="0"/>
-              </a:rPr>
-              <a:t>практике</a:t>
-            </a:r>
-            <a:r>
-              <a:rPr lang="en-US" altLang="ru-RU" sz="2400">
-                <a:latin typeface="Times New Roman" panose="02020603050405020304" charset="0"/>
-                <a:cs typeface="Times New Roman" panose="02020603050405020304" charset="0"/>
-              </a:rPr>
-              <a:t> </a:t>
-            </a:r>
-            <a:r>
-              <a:rPr lang="en-US" altLang="en-US" sz="2400">
-                <a:latin typeface="Times New Roman" panose="02020603050405020304" charset="0"/>
-                <a:cs typeface="Times New Roman" panose="02020603050405020304" charset="0"/>
-              </a:rPr>
-              <a:t>увлекательным</a:t>
-            </a:r>
-            <a:r>
-              <a:rPr lang="en-US" altLang="ru-RU" sz="2400">
-                <a:latin typeface="Times New Roman" panose="02020603050405020304" charset="0"/>
-                <a:cs typeface="Times New Roman" panose="02020603050405020304" charset="0"/>
-              </a:rPr>
-              <a:t> </a:t>
-            </a:r>
-            <a:r>
-              <a:rPr lang="en-US" altLang="en-US" sz="2400">
-                <a:latin typeface="Times New Roman" panose="02020603050405020304" charset="0"/>
-                <a:cs typeface="Times New Roman" panose="02020603050405020304" charset="0"/>
-              </a:rPr>
-              <a:t>и</a:t>
-            </a:r>
-            <a:r>
-              <a:rPr lang="en-US" altLang="ru-RU" sz="2400">
-                <a:latin typeface="Times New Roman" panose="02020603050405020304" charset="0"/>
-                <a:cs typeface="Times New Roman" panose="02020603050405020304" charset="0"/>
-              </a:rPr>
-              <a:t> </a:t>
-            </a:r>
-            <a:r>
-              <a:rPr lang="en-US" altLang="en-US" sz="2400">
-                <a:latin typeface="Times New Roman" panose="02020603050405020304" charset="0"/>
-                <a:cs typeface="Times New Roman" panose="02020603050405020304" charset="0"/>
-              </a:rPr>
-              <a:t>запоминающимся</a:t>
-            </a:r>
-            <a:endParaRPr lang="en-US" altLang="en-US" sz="2400">
-              <a:latin typeface="Times New Roman" panose="02020603050405020304" charset="0"/>
-              <a:cs typeface="Times New Roman" panose="02020603050405020304" charset="0"/>
+              <a:t>Выдаётся шкала сложности и честная оценка</a:t>
+            </a:r>
+            <a:endParaRPr lang="ru-RU" altLang="en-US" sz="3600">
+              <a:latin typeface="+mj-lt"/>
+              <a:cs typeface="+mj-lt"/>
             </a:endParaRPr>
           </a:p>
+        </p:txBody>
+      </p:sp>
+    </p:spTree>
+  </p:cSld>
+  <p:clrMapOvr>
+    <a:masterClrMapping/>
+  </p:clrMapOvr>
+</p:sld>
+</file>
+
+<file path=ppt/slides/slide6.xml><?xml version="1.0" encoding="utf-8"?>
+<p:sld xmlns:a="http://schemas.openxmlformats.org/drawingml/2006/main" xmlns:r="http://schemas.openxmlformats.org/officeDocument/2006/relationships" xmlns:p="http://schemas.openxmlformats.org/presentationml/2006/main">
+  <p:cSld>
+    <p:spTree>
+      <p:nvGrpSpPr>
+        <p:cNvPr id="1" name=""/>
+        <p:cNvGrpSpPr/>
+        <p:nvPr/>
+      </p:nvGrpSpPr>
+      <p:grpSpPr/>
+      <p:sp>
+        <p:nvSpPr>
+          <p:cNvPr id="2" name="Заголовок 1"/>
+          <p:cNvSpPr>
+            <a:spLocks noGrp="1"/>
+          </p:cNvSpPr>
+          <p:nvPr>
+            <p:ph type="title"/>
+          </p:nvPr>
+        </p:nvSpPr>
+        <p:spPr/>
+        <p:txBody>
+          <a:bodyPr/>
+          <a:p>
+            <a:r>
+              <a:rPr lang="ru-RU" altLang="en-US"/>
+              <a:t>Шкала сложности пароля</a:t>
+            </a:r>
+            <a:endParaRPr lang="ru-RU" altLang="en-US"/>
+          </a:p>
+        </p:txBody>
+      </p:sp>
+      <p:sp>
+        <p:nvSpPr>
+          <p:cNvPr id="3" name="Замещающее содержимое 2"/>
+          <p:cNvSpPr>
+            <a:spLocks noGrp="1"/>
+          </p:cNvSpPr>
+          <p:nvPr>
+            <p:ph idx="1"/>
+          </p:nvPr>
+        </p:nvSpPr>
+        <p:spPr/>
+        <p:txBody>
+          <a:bodyPr>
+            <a:normAutofit/>
+          </a:bodyPr>
           <a:p>
             <a:pPr>
               <a:lnSpc>
-                <a:spcPct val="150000"/>
+                <a:spcPct val="110000"/>
               </a:lnSpc>
-              <a:spcBef>
-                <a:spcPts val="0"/>
-              </a:spcBef>
             </a:pPr>
             <a:r>
-              <a:rPr lang="en-US" altLang="ru-RU" sz="2400">
-                <a:latin typeface="Times New Roman" panose="02020603050405020304" charset="0"/>
-                <a:cs typeface="Times New Roman" panose="02020603050405020304" charset="0"/>
-              </a:rPr>
-              <a:t>     </a:t>
-            </a:r>
-            <a:endParaRPr lang="en-US" altLang="ru-RU" sz="2400">
-              <a:latin typeface="Times New Roman" panose="02020603050405020304" charset="0"/>
-              <a:cs typeface="Times New Roman" panose="02020603050405020304" charset="0"/>
-            </a:endParaRPr>
+              <a:rPr lang="ru-RU" altLang="en-US"/>
+              <a:t>От 0 до 5 баллов  </a:t>
+            </a:r>
+            <a:endParaRPr lang="ru-RU" altLang="en-US"/>
+          </a:p>
+          <a:p>
+            <a:pPr>
+              <a:lnSpc>
+                <a:spcPct val="110000"/>
+              </a:lnSpc>
+            </a:pPr>
+            <a:r>
+              <a:rPr lang="ru-RU" altLang="en-US"/>
+              <a:t>Цветовая индикация:</a:t>
+            </a:r>
+            <a:endParaRPr lang="ru-RU" altLang="en-US"/>
+          </a:p>
+          <a:p>
+            <a:pPr lvl="1">
+              <a:lnSpc>
+                <a:spcPct val="110000"/>
+              </a:lnSpc>
+            </a:pPr>
+            <a:r>
+              <a:rPr lang="ru-RU" altLang="en-US"/>
+              <a:t>Красный – слабый  </a:t>
+            </a:r>
+            <a:endParaRPr lang="ru-RU" altLang="en-US"/>
+          </a:p>
+          <a:p>
+            <a:pPr lvl="1">
+              <a:lnSpc>
+                <a:spcPct val="110000"/>
+              </a:lnSpc>
+            </a:pPr>
+            <a:r>
+              <a:rPr lang="ru-RU" altLang="en-US"/>
+              <a:t>Оранжевый – средний  </a:t>
+            </a:r>
+            <a:endParaRPr lang="ru-RU" altLang="en-US"/>
+          </a:p>
+          <a:p>
+            <a:pPr lvl="1">
+              <a:lnSpc>
+                <a:spcPct val="110000"/>
+              </a:lnSpc>
+            </a:pPr>
+            <a:r>
+              <a:rPr lang="ru-RU" altLang="en-US"/>
+              <a:t>Зелёный – надёжный         </a:t>
+            </a:r>
+            <a:endParaRPr lang="ru-RU" altLang="en-US"/>
+          </a:p>
+          <a:p>
+            <a:pPr>
+              <a:lnSpc>
+                <a:spcPct val="110000"/>
+              </a:lnSpc>
+            </a:pPr>
+            <a:r>
+              <a:rPr lang="ru-RU" altLang="en-US"/>
+              <a:t>Если пароль есть в списке самых распространенных паролей — шкала остаётся пустой</a:t>
+            </a:r>
+            <a:endParaRPr lang="ru-RU" altLang="en-US"/>
+          </a:p>
+        </p:txBody>
+      </p:sp>
+    </p:spTree>
+  </p:cSld>
+  <p:clrMapOvr>
+    <a:masterClrMapping/>
+  </p:clrMapOvr>
+</p:sld>
+</file>
+
+<file path=ppt/slides/slide7.xml><?xml version="1.0" encoding="utf-8"?>
+<p:sld xmlns:a="http://schemas.openxmlformats.org/drawingml/2006/main" xmlns:r="http://schemas.openxmlformats.org/officeDocument/2006/relationships" xmlns:p="http://schemas.openxmlformats.org/presentationml/2006/main">
+  <p:cSld>
+    <p:spTree>
+      <p:nvGrpSpPr>
+        <p:cNvPr id="1" name=""/>
+        <p:cNvGrpSpPr/>
+        <p:nvPr/>
+      </p:nvGrpSpPr>
+      <p:grpSpPr/>
+      <p:sp>
+        <p:nvSpPr>
+          <p:cNvPr id="2" name="Заголовок 1"/>
+          <p:cNvSpPr>
+            <a:spLocks noGrp="1"/>
+          </p:cNvSpPr>
+          <p:nvPr>
+            <p:ph type="title"/>
+          </p:nvPr>
+        </p:nvSpPr>
+        <p:spPr/>
+        <p:txBody>
+          <a:bodyPr/>
+          <a:p>
+            <a:r>
+              <a:rPr lang="ru-RU" altLang="en-US"/>
+              <a:t>Генератор паролей</a:t>
+            </a:r>
+            <a:endParaRPr lang="ru-RU" altLang="en-US"/>
+          </a:p>
+        </p:txBody>
+      </p:sp>
+      <p:sp>
+        <p:nvSpPr>
+          <p:cNvPr id="3" name="Замещающее содержимое 2"/>
+          <p:cNvSpPr>
+            <a:spLocks noGrp="1"/>
+          </p:cNvSpPr>
+          <p:nvPr>
+            <p:ph idx="1"/>
+          </p:nvPr>
+        </p:nvSpPr>
+        <p:spPr/>
+        <p:txBody>
+          <a:bodyPr>
+            <a:noAutofit/>
+          </a:bodyPr>
+          <a:p>
+            <a:pPr marL="363855" indent="-363855"/>
+            <a:r>
+              <a:rPr lang="ru-RU" altLang="en-US" sz="3600"/>
+              <a:t>Возможность выбрать длинну и типы символов         </a:t>
+            </a:r>
+            <a:endParaRPr lang="ru-RU" altLang="en-US" sz="3600"/>
+          </a:p>
+          <a:p>
+            <a:pPr marL="363855" indent="-363855"/>
+            <a:r>
+              <a:rPr lang="ru-RU" altLang="en-US" sz="3600"/>
+              <a:t>Генерация случайного пароля  </a:t>
+            </a:r>
+            <a:endParaRPr lang="ru-RU" altLang="en-US" sz="3600"/>
+          </a:p>
+          <a:p>
+            <a:pPr marL="363855" indent="-363855"/>
+            <a:r>
+              <a:rPr lang="ru-RU" altLang="en-US" sz="3600"/>
+              <a:t>Кнопка копирования  </a:t>
+            </a:r>
+            <a:endParaRPr lang="ru-RU" altLang="en-US" sz="3600"/>
+          </a:p>
+          <a:p>
+            <a:pPr marL="363855" indent="-363855"/>
+            <a:r>
+              <a:rPr lang="ru-RU" altLang="en-US" sz="3600"/>
+              <a:t>Подходит для мгновенного использования    </a:t>
+            </a:r>
+            <a:endParaRPr lang="ru-RU" altLang="en-US" sz="3600"/>
+          </a:p>
+        </p:txBody>
+      </p:sp>
+    </p:spTree>
+  </p:cSld>
+  <p:clrMapOvr>
+    <a:masterClrMapping/>
+  </p:clrMapOvr>
+</p:sld>
+</file>
+
+<file path=ppt/slides/slide8.xml><?xml version="1.0" encoding="utf-8"?>
+<p:sld xmlns:a="http://schemas.openxmlformats.org/drawingml/2006/main" xmlns:r="http://schemas.openxmlformats.org/officeDocument/2006/relationships" xmlns:p="http://schemas.openxmlformats.org/presentationml/2006/main">
+  <p:cSld>
+    <p:spTree>
+      <p:nvGrpSpPr>
+        <p:cNvPr id="1" name=""/>
+        <p:cNvGrpSpPr/>
+        <p:nvPr/>
+      </p:nvGrpSpPr>
+      <p:grpSpPr/>
+      <p:sp>
+        <p:nvSpPr>
+          <p:cNvPr id="2" name="Заголовок 1"/>
+          <p:cNvSpPr>
+            <a:spLocks noGrp="1"/>
+          </p:cNvSpPr>
+          <p:nvPr>
+            <p:ph type="title"/>
+          </p:nvPr>
+        </p:nvSpPr>
+        <p:spPr/>
+        <p:txBody>
+          <a:bodyPr/>
+          <a:p>
+            <a:r>
+              <a:rPr lang="ru-RU" altLang="en-US"/>
+              <a:t>Файлы и структура</a:t>
+            </a:r>
+            <a:endParaRPr lang="ru-RU" altLang="en-US"/>
+          </a:p>
+        </p:txBody>
+      </p:sp>
+      <p:sp>
+        <p:nvSpPr>
+          <p:cNvPr id="3" name="Замещающее содержимое 2"/>
+          <p:cNvSpPr>
+            <a:spLocks noGrp="1"/>
+          </p:cNvSpPr>
+          <p:nvPr>
+            <p:ph idx="1"/>
+          </p:nvPr>
+        </p:nvSpPr>
+        <p:spPr/>
+        <p:txBody>
+          <a:bodyPr/>
+          <a:p>
+            <a:r>
+              <a:rPr lang="ru-RU" altLang="en-US" sz="3600"/>
+              <a:t>index.html — структура</a:t>
+            </a:r>
+            <a:endParaRPr lang="ru-RU" altLang="en-US" sz="3600"/>
+          </a:p>
+          <a:p>
+            <a:r>
+              <a:rPr lang="ru-RU" altLang="en-US" sz="3600"/>
+              <a:t>style.css — стили</a:t>
+            </a:r>
+            <a:endParaRPr lang="ru-RU" altLang="en-US" sz="3600"/>
+          </a:p>
+          <a:p>
+            <a:r>
+              <a:rPr lang="ru-RU" altLang="en-US" sz="3600"/>
+              <a:t>script.js — логика</a:t>
+            </a:r>
+            <a:endParaRPr lang="ru-RU" altLang="en-US" sz="3600"/>
+          </a:p>
+          <a:p>
+            <a:r>
+              <a:rPr lang="ru-RU" altLang="en-US" sz="3600"/>
+              <a:t>data.json — данные     </a:t>
+            </a:r>
+            <a:endParaRPr lang="ru-RU" altLang="en-US" sz="3600"/>
+          </a:p>
+        </p:txBody>
+      </p:sp>
+    </p:spTree>
+  </p:cSld>
+  <p:clrMapOvr>
+    <a:masterClrMapping/>
+  </p:clrMapOvr>
+</p:sld>
+</file>
+
+<file path=ppt/slides/slide9.xml><?xml version="1.0" encoding="utf-8"?>
+<p:sld xmlns:a="http://schemas.openxmlformats.org/drawingml/2006/main" xmlns:r="http://schemas.openxmlformats.org/officeDocument/2006/relationships" xmlns:p="http://schemas.openxmlformats.org/presentationml/2006/main">
+  <p:cSld>
+    <p:spTree>
+      <p:nvGrpSpPr>
+        <p:cNvPr id="1" name=""/>
+        <p:cNvGrpSpPr/>
+        <p:nvPr/>
+      </p:nvGrpSpPr>
+      <p:grpSpPr/>
+      <p:sp>
+        <p:nvSpPr>
+          <p:cNvPr id="2" name="Заголовок 1"/>
+          <p:cNvSpPr>
+            <a:spLocks noGrp="1"/>
+          </p:cNvSpPr>
+          <p:nvPr>
+            <p:ph type="title"/>
+          </p:nvPr>
+        </p:nvSpPr>
+        <p:spPr/>
+        <p:txBody>
+          <a:bodyPr/>
+          <a:p>
+            <a:pPr algn="ctr"/>
+            <a:r>
+              <a:rPr lang="ru-RU" altLang="en-US"/>
+              <a:t>Вывод</a:t>
+            </a:r>
+            <a:endParaRPr lang="ru-RU" altLang="en-US"/>
+          </a:p>
+        </p:txBody>
+      </p:sp>
+      <p:sp>
+        <p:nvSpPr>
+          <p:cNvPr id="3" name="Замещающее содержимое 2"/>
+          <p:cNvSpPr>
+            <a:spLocks noGrp="1"/>
+          </p:cNvSpPr>
+          <p:nvPr>
+            <p:ph idx="1"/>
+          </p:nvPr>
+        </p:nvSpPr>
+        <p:spPr/>
+        <p:txBody>
+          <a:bodyPr/>
+          <a:p>
+            <a:pPr marL="234950" indent="-234950"/>
+            <a:r>
+              <a:rPr lang="ru-RU" altLang="en-US" sz="3600"/>
+              <a:t>Полностью рабочий сайт  </a:t>
+            </a:r>
+            <a:endParaRPr lang="ru-RU" altLang="en-US" sz="3600"/>
+          </a:p>
+          <a:p>
+            <a:pPr marL="234950" indent="-234950"/>
+            <a:r>
+              <a:rPr lang="ru-RU" altLang="en-US" sz="3600"/>
+              <a:t>Помогает пользователям повысить уровень цифровой безопасности  </a:t>
+            </a:r>
+            <a:endParaRPr lang="ru-RU" altLang="en-US" sz="3600"/>
+          </a:p>
+          <a:p>
+            <a:pPr marL="234950" indent="-234950"/>
+            <a:r>
+              <a:rPr lang="ru-RU" altLang="en-US" sz="3600"/>
+              <a:t>Создан с помощью нейросети  </a:t>
+            </a:r>
+            <a:endParaRPr lang="ru-RU" altLang="en-US" sz="3600"/>
+          </a:p>
+          <a:p>
+            <a:pPr marL="234950" indent="-234950"/>
+            <a:r>
+              <a:rPr lang="ru-RU" altLang="en-US" sz="3600"/>
+              <a:t>Демонстрирует, что даже школьник может создать современный сайт с помощью ИИ</a:t>
+            </a:r>
+            <a:endParaRPr lang="ru-RU" altLang="en-US" sz="3600"/>
           </a:p>
         </p:txBody>
       </p:sp>

--- a/Презентация 1.pptx
+++ b/Презентация 1.pptx
@@ -119,6 +119,22 @@
       </a:defRPr>
     </a:lvl9pPr>
   </p:defaultTextStyle>
+  <p:extLst>
+    <p:ext uri="{EFAFB233-063F-42B5-8137-9DF3F51BA10A}">
+      <p15:sldGuideLst xmlns:p15="http://schemas.microsoft.com/office/powerpoint/2012/main">
+        <p15:guide id="1" orient="horz" pos="2159" userDrawn="1">
+          <p15:clr>
+            <a:srgbClr val="A4A3A4"/>
+          </p15:clr>
+        </p15:guide>
+        <p15:guide id="2" pos="3840" userDrawn="1">
+          <p15:clr>
+            <a:srgbClr val="A4A3A4"/>
+          </p15:clr>
+        </p15:guide>
+      </p15:sldGuideLst>
+    </p:ext>
+  </p:extLst>
 </p:presentation>
 </file>
 
@@ -3037,7 +3053,7 @@
               </a:spcAft>
               <a:buClrTx/>
               <a:buSzTx/>
-              <a:buFont typeface="Arial" panose="02080604020202020204" pitchFamily="34" charset="0"/>
+              <a:buFont typeface="Arial" panose="020B0604020202020204" pitchFamily="34" charset="0"/>
               <a:buChar char="•"/>
               <a:defRPr/>
             </a:pPr>
@@ -3256,7 +3272,7 @@
         </a:spcAft>
         <a:buClrTx/>
         <a:buSzTx/>
-        <a:buFont typeface="Arial" panose="02080604020202020204" pitchFamily="34" charset="0"/>
+        <a:buFont typeface="Arial" panose="020B0604020202020204" pitchFamily="34" charset="0"/>
         <a:buNone/>
         <a:defRPr sz="2800" b="0" kern="1200">
           <a:solidFill>
@@ -3274,7 +3290,7 @@
         <a:spcBef>
           <a:spcPts val="500"/>
         </a:spcBef>
-        <a:buFont typeface="Arial" panose="02080604020202020204" pitchFamily="34" charset="0"/>
+        <a:buFont typeface="Arial" panose="020B0604020202020204" pitchFamily="34" charset="0"/>
         <a:buChar char="•"/>
         <a:defRPr sz="2400" kern="1200" baseline="0">
           <a:solidFill>
@@ -3292,7 +3308,7 @@
         <a:spcBef>
           <a:spcPts val="500"/>
         </a:spcBef>
-        <a:buFont typeface="Arial" panose="02080604020202020204" pitchFamily="34" charset="0"/>
+        <a:buFont typeface="Arial" panose="020B0604020202020204" pitchFamily="34" charset="0"/>
         <a:buChar char="•"/>
         <a:defRPr sz="2000" kern="1200" baseline="0">
           <a:solidFill>
@@ -3311,7 +3327,7 @@
         <a:spcBef>
           <a:spcPts val="500"/>
         </a:spcBef>
-        <a:buFont typeface="Arial" panose="02080604020202020204" pitchFamily="34" charset="0"/>
+        <a:buFont typeface="Arial" panose="020B0604020202020204" pitchFamily="34" charset="0"/>
         <a:buChar char="•"/>
         <a:defRPr sz="1800" kern="1200" baseline="0">
           <a:solidFill>
@@ -3330,7 +3346,7 @@
         <a:spcBef>
           <a:spcPts val="500"/>
         </a:spcBef>
-        <a:buFont typeface="Arial" panose="02080604020202020204" pitchFamily="34" charset="0"/>
+        <a:buFont typeface="Arial" panose="020B0604020202020204" pitchFamily="34" charset="0"/>
         <a:buChar char="•"/>
         <a:defRPr sz="1800" kern="1200" baseline="0">
           <a:solidFill>
@@ -3349,7 +3365,7 @@
         <a:spcBef>
           <a:spcPts val="500"/>
         </a:spcBef>
-        <a:buFont typeface="Arial" panose="02080604020202020204" pitchFamily="34" charset="0"/>
+        <a:buFont typeface="Arial" panose="020B0604020202020204" pitchFamily="34" charset="0"/>
         <a:buChar char="•"/>
         <a:defRPr sz="1800" kern="1200">
           <a:solidFill>
@@ -3367,7 +3383,7 @@
         <a:spcBef>
           <a:spcPts val="500"/>
         </a:spcBef>
-        <a:buFont typeface="Arial" panose="02080604020202020204" pitchFamily="34" charset="0"/>
+        <a:buFont typeface="Arial" panose="020B0604020202020204" pitchFamily="34" charset="0"/>
         <a:buChar char="•"/>
         <a:defRPr sz="1800" kern="1200">
           <a:solidFill>
@@ -3385,7 +3401,7 @@
         <a:spcBef>
           <a:spcPts val="500"/>
         </a:spcBef>
-        <a:buFont typeface="Arial" panose="02080604020202020204" pitchFamily="34" charset="0"/>
+        <a:buFont typeface="Arial" panose="020B0604020202020204" pitchFamily="34" charset="0"/>
         <a:buChar char="•"/>
         <a:defRPr sz="1800" kern="1200">
           <a:solidFill>
@@ -3403,7 +3419,7 @@
         <a:spcBef>
           <a:spcPts val="500"/>
         </a:spcBef>
-        <a:buFont typeface="Arial" panose="02080604020202020204" pitchFamily="34" charset="0"/>
+        <a:buFont typeface="Arial" panose="020B0604020202020204" pitchFamily="34" charset="0"/>
         <a:buChar char="•"/>
         <a:defRPr sz="1800" kern="1200">
           <a:solidFill>
@@ -3584,26 +3600,50 @@
           <a:p>
             <a:pPr algn="r"/>
             <a:r>
-              <a:rPr lang="ru-RU" altLang="en-US"/>
+              <a:rPr lang="ru-RU" altLang="en-US">
+                <a:solidFill>
+                  <a:schemeClr val="tx1"/>
+                </a:solidFill>
+              </a:rPr>
               <a:t>Работа ученика курса</a:t>
             </a:r>
             <a:r>
-              <a:rPr lang="en-US" altLang="ru-RU"/>
+              <a:rPr lang="en-US" altLang="ru-RU">
+                <a:solidFill>
+                  <a:schemeClr val="tx1"/>
+                </a:solidFill>
+              </a:rPr>
               <a:t>“</a:t>
             </a:r>
             <a:r>
-              <a:rPr lang="en-US" altLang="en-US"/>
+              <a:rPr lang="en-US" altLang="en-US">
+                <a:solidFill>
+                  <a:schemeClr val="tx1"/>
+                </a:solidFill>
+              </a:rPr>
               <a:t>guru”</a:t>
             </a:r>
-            <a:endParaRPr lang="en-US" altLang="en-US"/>
+            <a:endParaRPr lang="en-US" altLang="en-US">
+              <a:solidFill>
+                <a:schemeClr val="tx1"/>
+              </a:solidFill>
+            </a:endParaRPr>
           </a:p>
           <a:p>
             <a:pPr algn="r"/>
             <a:r>
-              <a:rPr lang="ru-RU" altLang="en-US"/>
+              <a:rPr lang="ru-RU" altLang="en-US">
+                <a:solidFill>
+                  <a:schemeClr val="tx1"/>
+                </a:solidFill>
+              </a:rPr>
               <a:t>Табунова Андрея</a:t>
             </a:r>
-            <a:endParaRPr lang="ru-RU" altLang="en-US"/>
+            <a:endParaRPr lang="ru-RU" altLang="en-US">
+              <a:solidFill>
+                <a:schemeClr val="tx1"/>
+              </a:solidFill>
+            </a:endParaRPr>
           </a:p>
         </p:txBody>
       </p:sp>
@@ -3819,7 +3859,12 @@
             <p:ph idx="1"/>
           </p:nvPr>
         </p:nvSpPr>
-        <p:spPr/>
+        <p:spPr>
+          <a:xfrm>
+            <a:off x="647700" y="1825625"/>
+            <a:ext cx="11012805" cy="4351655"/>
+          </a:xfrm>
+        </p:spPr>
         <p:txBody>
           <a:bodyPr>
             <a:normAutofit/>
@@ -3838,12 +3883,18 @@
             </a:pPr>
             <a:r>
               <a:rPr lang="ru-RU" sz="3600">
+                <a:solidFill>
+                  <a:schemeClr val="tx1"/>
+                </a:solidFill>
                 <a:latin typeface="Times New Roman" panose="02020603050405020304" charset="0"/>
                 <a:cs typeface="Times New Roman" panose="02020603050405020304" charset="0"/>
               </a:rPr>
-              <a:t>Позволить пользователю проверить его пароль на сложность</a:t>
+              <a:t>Создать сайт для проверки пароля на сложность</a:t>
             </a:r>
             <a:endParaRPr sz="3600">
+              <a:solidFill>
+                <a:schemeClr val="tx1"/>
+              </a:solidFill>
               <a:latin typeface="Times New Roman" panose="02020603050405020304" charset="0"/>
               <a:cs typeface="Times New Roman" panose="02020603050405020304" charset="0"/>
             </a:endParaRPr>
@@ -3862,12 +3913,18 @@
             </a:pPr>
             <a:r>
               <a:rPr sz="3600">
+                <a:solidFill>
+                  <a:schemeClr val="tx1"/>
+                </a:solidFill>
                 <a:latin typeface="Times New Roman" panose="02020603050405020304" charset="0"/>
                 <a:cs typeface="Times New Roman" panose="02020603050405020304" charset="0"/>
               </a:rPr>
               <a:t>Научить создавать безопасные пароли  </a:t>
             </a:r>
             <a:endParaRPr sz="3600">
+              <a:solidFill>
+                <a:schemeClr val="tx1"/>
+              </a:solidFill>
               <a:latin typeface="Times New Roman" panose="02020603050405020304" charset="0"/>
               <a:cs typeface="Times New Roman" panose="02020603050405020304" charset="0"/>
             </a:endParaRPr>
@@ -3886,19 +3943,38 @@
             </a:pPr>
             <a:r>
               <a:rPr lang="ru-RU" sz="3600">
+                <a:solidFill>
+                  <a:schemeClr val="tx1"/>
+                </a:solidFill>
                 <a:latin typeface="Times New Roman" panose="02020603050405020304" charset="0"/>
                 <a:cs typeface="Times New Roman" panose="02020603050405020304" charset="0"/>
               </a:rPr>
-              <a:t>Всё должно быть выполнено только </a:t>
+              <a:t>Всё должно быть выполнено </a:t>
             </a:r>
             <a:r>
               <a:rPr sz="3600">
+                <a:solidFill>
+                  <a:schemeClr val="tx1"/>
+                </a:solidFill>
                 <a:latin typeface="Times New Roman" panose="02020603050405020304" charset="0"/>
                 <a:cs typeface="Times New Roman" panose="02020603050405020304" charset="0"/>
               </a:rPr>
-              <a:t>с помощью нейросети</a:t>
-            </a:r>
-            <a:endParaRPr sz="3600">
+              <a:t>с помощью </a:t>
+            </a:r>
+            <a:r>
+              <a:rPr lang="ru-RU" sz="3600">
+                <a:solidFill>
+                  <a:schemeClr val="tx1"/>
+                </a:solidFill>
+                <a:latin typeface="Times New Roman" panose="02020603050405020304" charset="0"/>
+                <a:cs typeface="Times New Roman" panose="02020603050405020304" charset="0"/>
+              </a:rPr>
+              <a:t>нейросети</a:t>
+            </a:r>
+            <a:endParaRPr lang="ru-RU" sz="3600">
+              <a:solidFill>
+                <a:schemeClr val="tx1"/>
+              </a:solidFill>
               <a:latin typeface="Times New Roman" panose="02020603050405020304" charset="0"/>
               <a:cs typeface="Times New Roman" panose="02020603050405020304" charset="0"/>
             </a:endParaRPr>
@@ -3971,12 +4047,18 @@
             <a:pPr marL="286385" indent="-286385"/>
             <a:r>
               <a:rPr lang="ru-RU" altLang="en-US" sz="3600">
+                <a:solidFill>
+                  <a:schemeClr val="tx1"/>
+                </a:solidFill>
                 <a:latin typeface="+mj-lt"/>
                 <a:cs typeface="+mj-lt"/>
               </a:rPr>
               <a:t>Придумала идею,</a:t>
             </a:r>
             <a:endParaRPr lang="ru-RU" altLang="en-US" sz="3600">
+              <a:solidFill>
+                <a:schemeClr val="tx1"/>
+              </a:solidFill>
               <a:latin typeface="+mj-lt"/>
               <a:cs typeface="+mj-lt"/>
             </a:endParaRPr>
@@ -3985,12 +4067,18 @@
             <a:pPr marL="286385" indent="-286385"/>
             <a:r>
               <a:rPr lang="ru-RU" altLang="en-US" sz="3600">
+                <a:solidFill>
+                  <a:schemeClr val="tx1"/>
+                </a:solidFill>
                 <a:latin typeface="+mj-lt"/>
                 <a:cs typeface="+mj-lt"/>
               </a:rPr>
               <a:t>Написала код (HTML, CSS, JS),</a:t>
             </a:r>
             <a:endParaRPr lang="ru-RU" altLang="en-US" sz="3600">
+              <a:solidFill>
+                <a:schemeClr val="tx1"/>
+              </a:solidFill>
               <a:latin typeface="+mj-lt"/>
               <a:cs typeface="+mj-lt"/>
             </a:endParaRPr>
@@ -3999,12 +4087,18 @@
             <a:pPr marL="286385" indent="-286385"/>
             <a:r>
               <a:rPr lang="ru-RU" altLang="en-US" sz="3600">
+                <a:solidFill>
+                  <a:schemeClr val="tx1"/>
+                </a:solidFill>
                 <a:latin typeface="+mj-lt"/>
                 <a:cs typeface="+mj-lt"/>
               </a:rPr>
               <a:t>Сделала дизайн интерфейса и анимации,</a:t>
             </a:r>
             <a:endParaRPr lang="ru-RU" altLang="en-US" sz="3600">
+              <a:solidFill>
+                <a:schemeClr val="tx1"/>
+              </a:solidFill>
               <a:latin typeface="+mj-lt"/>
               <a:cs typeface="+mj-lt"/>
             </a:endParaRPr>
@@ -4013,12 +4107,18 @@
             <a:pPr marL="286385" indent="-286385"/>
             <a:r>
               <a:rPr lang="ru-RU" altLang="en-US" sz="3600">
+                <a:solidFill>
+                  <a:schemeClr val="tx1"/>
+                </a:solidFill>
                 <a:latin typeface="+mj-lt"/>
                 <a:cs typeface="+mj-lt"/>
               </a:rPr>
               <a:t>Подготовила данные(список очень слабых паролей и советы),</a:t>
             </a:r>
             <a:endParaRPr lang="ru-RU" altLang="en-US" sz="3600">
+              <a:solidFill>
+                <a:schemeClr val="tx1"/>
+              </a:solidFill>
               <a:latin typeface="+mj-lt"/>
               <a:cs typeface="+mj-lt"/>
             </a:endParaRPr>
@@ -4027,12 +4127,18 @@
             <a:pPr marL="286385" indent="-286385"/>
             <a:r>
               <a:rPr lang="ru-RU" altLang="en-US" sz="3600">
+                <a:solidFill>
+                  <a:schemeClr val="tx1"/>
+                </a:solidFill>
                 <a:latin typeface="+mj-lt"/>
                 <a:cs typeface="+mj-lt"/>
               </a:rPr>
               <a:t>Даже этот текст написала нейросеть.</a:t>
             </a:r>
             <a:endParaRPr lang="ru-RU" altLang="en-US" sz="3600">
+              <a:solidFill>
+                <a:schemeClr val="tx1"/>
+              </a:solidFill>
               <a:latin typeface="+mj-lt"/>
               <a:cs typeface="+mj-lt"/>
             </a:endParaRPr>
@@ -4100,50 +4206,98 @@
           <a:p>
             <a:pPr marL="227330" indent="-227330"/>
             <a:r>
-              <a:rPr lang="ru-RU" altLang="en-US" sz="3600"/>
+              <a:rPr lang="ru-RU" altLang="en-US" sz="3600">
+                <a:solidFill>
+                  <a:schemeClr val="tx1"/>
+                </a:solidFill>
+              </a:rPr>
               <a:t>Работает локально, без сервера  </a:t>
             </a:r>
-            <a:endParaRPr lang="ru-RU" altLang="en-US" sz="3600"/>
+            <a:endParaRPr lang="ru-RU" altLang="en-US" sz="3600">
+              <a:solidFill>
+                <a:schemeClr val="tx1"/>
+              </a:solidFill>
+            </a:endParaRPr>
           </a:p>
           <a:p>
             <a:pPr marL="227330" indent="-227330"/>
             <a:r>
-              <a:rPr lang="ru-RU" altLang="en-US" sz="3600"/>
+              <a:rPr lang="ru-RU" altLang="en-US" sz="3600">
+                <a:solidFill>
+                  <a:schemeClr val="tx1"/>
+                </a:solidFill>
+              </a:rPr>
               <a:t>Не отправляет данные пользователя (пароли)</a:t>
             </a:r>
-            <a:endParaRPr lang="ru-RU" altLang="en-US" sz="3600"/>
+            <a:endParaRPr lang="ru-RU" altLang="en-US" sz="3600">
+              <a:solidFill>
+                <a:schemeClr val="tx1"/>
+              </a:solidFill>
+            </a:endParaRPr>
           </a:p>
           <a:p>
             <a:pPr marL="227330" indent="-227330"/>
             <a:r>
-              <a:rPr lang="ru-RU" altLang="en-US" sz="3600"/>
+              <a:rPr lang="ru-RU" altLang="en-US" sz="3600">
+                <a:solidFill>
+                  <a:schemeClr val="tx1"/>
+                </a:solidFill>
+              </a:rPr>
               <a:t>Современный дизайн с анимациями  </a:t>
             </a:r>
-            <a:endParaRPr lang="ru-RU" altLang="en-US" sz="3600"/>
+            <a:endParaRPr lang="ru-RU" altLang="en-US" sz="3600">
+              <a:solidFill>
+                <a:schemeClr val="tx1"/>
+              </a:solidFill>
+            </a:endParaRPr>
           </a:p>
           <a:p>
             <a:pPr marL="227330" indent="-227330"/>
             <a:r>
-              <a:rPr lang="ru-RU" altLang="en-US" sz="3600"/>
+              <a:rPr lang="ru-RU" altLang="en-US" sz="3600">
+                <a:solidFill>
+                  <a:schemeClr val="tx1"/>
+                </a:solidFill>
+              </a:rPr>
               <a:t>Встроенный генератор паролей  </a:t>
             </a:r>
-            <a:endParaRPr lang="ru-RU" altLang="en-US" sz="3600"/>
+            <a:endParaRPr lang="ru-RU" altLang="en-US" sz="3600">
+              <a:solidFill>
+                <a:schemeClr val="tx1"/>
+              </a:solidFill>
+            </a:endParaRPr>
           </a:p>
           <a:p>
             <a:pPr marL="227330" indent="-227330"/>
             <a:r>
-              <a:rPr lang="ru-RU" altLang="en-US" sz="3600"/>
+              <a:rPr lang="ru-RU" altLang="en-US" sz="3600">
+                <a:solidFill>
+                  <a:schemeClr val="tx1"/>
+                </a:solidFill>
+              </a:rPr>
               <a:t>Возможность включить темную тему</a:t>
             </a:r>
-            <a:endParaRPr lang="ru-RU" altLang="en-US" sz="3600"/>
+            <a:endParaRPr lang="ru-RU" altLang="en-US" sz="3600">
+              <a:solidFill>
+                <a:schemeClr val="tx1"/>
+              </a:solidFill>
+            </a:endParaRPr>
           </a:p>
           <a:p>
             <a:pPr marL="227330" indent="-227330"/>
             <a:r>
-              <a:rPr lang="ru-RU" altLang="en-US" sz="3600"/>
+              <a:rPr lang="ru-RU" altLang="en-US" sz="3600">
+                <a:solidFill>
+                  <a:schemeClr val="tx1"/>
+                </a:solidFill>
+              </a:rPr>
               <a:t>Проверка безопасности</a:t>
             </a:r>
-            <a:endParaRPr lang="ru-RU" altLang="en-US" sz="3600"/>
+            <a:endParaRPr lang="ru-RU" altLang="en-US" sz="3600">
+              <a:solidFill>
+                <a:schemeClr val="tx1"/>
+              </a:solidFill>
+            </a:endParaRPr>
           </a:p>
         </p:txBody>
       </p:sp>
@@ -4212,12 +4366,18 @@
             </a:pPr>
             <a:r>
               <a:rPr lang="ru-RU" altLang="en-US" sz="3600">
+                <a:solidFill>
+                  <a:schemeClr val="tx1"/>
+                </a:solidFill>
                 <a:latin typeface="+mj-lt"/>
                 <a:cs typeface="+mj-lt"/>
               </a:rPr>
               <a:t>Есть ли пароль в списке слабых  </a:t>
             </a:r>
             <a:endParaRPr lang="ru-RU" altLang="en-US" sz="3600">
+              <a:solidFill>
+                <a:schemeClr val="tx1"/>
+              </a:solidFill>
               <a:latin typeface="+mj-lt"/>
               <a:cs typeface="+mj-lt"/>
             </a:endParaRPr>
@@ -4232,12 +4392,18 @@
             </a:pPr>
             <a:r>
               <a:rPr lang="ru-RU" altLang="en-US" sz="3600">
+                <a:solidFill>
+                  <a:schemeClr val="tx1"/>
+                </a:solidFill>
                 <a:latin typeface="+mj-lt"/>
                 <a:cs typeface="+mj-lt"/>
               </a:rPr>
               <a:t>Наличие разных типов символов  </a:t>
             </a:r>
             <a:endParaRPr lang="ru-RU" altLang="en-US" sz="3600">
+              <a:solidFill>
+                <a:schemeClr val="tx1"/>
+              </a:solidFill>
               <a:latin typeface="+mj-lt"/>
               <a:cs typeface="+mj-lt"/>
             </a:endParaRPr>
@@ -4252,12 +4418,18 @@
             </a:pPr>
             <a:r>
               <a:rPr lang="ru-RU" altLang="en-US" sz="3600">
+                <a:solidFill>
+                  <a:schemeClr val="tx1"/>
+                </a:solidFill>
                 <a:latin typeface="+mj-lt"/>
                 <a:cs typeface="+mj-lt"/>
               </a:rPr>
               <a:t>Длина и повторения  </a:t>
             </a:r>
             <a:endParaRPr lang="ru-RU" altLang="en-US" sz="3600">
+              <a:solidFill>
+                <a:schemeClr val="tx1"/>
+              </a:solidFill>
               <a:latin typeface="+mj-lt"/>
               <a:cs typeface="+mj-lt"/>
             </a:endParaRPr>
@@ -4272,12 +4444,18 @@
             </a:pPr>
             <a:r>
               <a:rPr lang="ru-RU" altLang="en-US" sz="3600">
+                <a:solidFill>
+                  <a:schemeClr val="tx1"/>
+                </a:solidFill>
                 <a:latin typeface="+mj-lt"/>
                 <a:cs typeface="+mj-lt"/>
               </a:rPr>
               <a:t>Выдаётся шкала сложности и честная оценка</a:t>
             </a:r>
             <a:endParaRPr lang="ru-RU" altLang="en-US" sz="3600">
+              <a:solidFill>
+                <a:schemeClr val="tx1"/>
+              </a:solidFill>
               <a:latin typeface="+mj-lt"/>
               <a:cs typeface="+mj-lt"/>
             </a:endParaRPr>
@@ -4334,10 +4512,15 @@
             <p:ph idx="1"/>
           </p:nvPr>
         </p:nvSpPr>
-        <p:spPr/>
+        <p:spPr>
+          <a:xfrm>
+            <a:off x="647700" y="1437640"/>
+            <a:ext cx="10515600" cy="4351338"/>
+          </a:xfrm>
+        </p:spPr>
         <p:txBody>
           <a:bodyPr>
-            <a:normAutofit/>
+            <a:noAutofit/>
           </a:bodyPr>
           <a:p>
             <a:pPr>
@@ -4346,10 +4529,18 @@
               </a:lnSpc>
             </a:pPr>
             <a:r>
-              <a:rPr lang="ru-RU" altLang="en-US"/>
+              <a:rPr lang="ru-RU" altLang="en-US" sz="3600">
+                <a:solidFill>
+                  <a:schemeClr val="tx1"/>
+                </a:solidFill>
+              </a:rPr>
               <a:t>От 0 до 5 баллов  </a:t>
             </a:r>
-            <a:endParaRPr lang="ru-RU" altLang="en-US"/>
+            <a:endParaRPr lang="ru-RU" altLang="en-US" sz="3600">
+              <a:solidFill>
+                <a:schemeClr val="tx1"/>
+              </a:solidFill>
+            </a:endParaRPr>
           </a:p>
           <a:p>
             <a:pPr>
@@ -4358,10 +4549,18 @@
               </a:lnSpc>
             </a:pPr>
             <a:r>
-              <a:rPr lang="ru-RU" altLang="en-US"/>
+              <a:rPr lang="ru-RU" altLang="en-US" sz="3600">
+                <a:solidFill>
+                  <a:schemeClr val="tx1"/>
+                </a:solidFill>
+              </a:rPr>
               <a:t>Цветовая индикация:</a:t>
             </a:r>
-            <a:endParaRPr lang="ru-RU" altLang="en-US"/>
+            <a:endParaRPr lang="ru-RU" altLang="en-US" sz="3600">
+              <a:solidFill>
+                <a:schemeClr val="tx1"/>
+              </a:solidFill>
+            </a:endParaRPr>
           </a:p>
           <a:p>
             <a:pPr lvl="1">
@@ -4370,10 +4569,18 @@
               </a:lnSpc>
             </a:pPr>
             <a:r>
-              <a:rPr lang="ru-RU" altLang="en-US"/>
+              <a:rPr lang="ru-RU" altLang="en-US" sz="3200">
+                <a:solidFill>
+                  <a:schemeClr val="tx1"/>
+                </a:solidFill>
+              </a:rPr>
               <a:t>Красный – слабый  </a:t>
             </a:r>
-            <a:endParaRPr lang="ru-RU" altLang="en-US"/>
+            <a:endParaRPr lang="ru-RU" altLang="en-US" sz="3200">
+              <a:solidFill>
+                <a:schemeClr val="tx1"/>
+              </a:solidFill>
+            </a:endParaRPr>
           </a:p>
           <a:p>
             <a:pPr lvl="1">
@@ -4382,10 +4589,18 @@
               </a:lnSpc>
             </a:pPr>
             <a:r>
-              <a:rPr lang="ru-RU" altLang="en-US"/>
+              <a:rPr lang="ru-RU" altLang="en-US" sz="3200">
+                <a:solidFill>
+                  <a:schemeClr val="tx1"/>
+                </a:solidFill>
+              </a:rPr>
               <a:t>Оранжевый – средний  </a:t>
             </a:r>
-            <a:endParaRPr lang="ru-RU" altLang="en-US"/>
+            <a:endParaRPr lang="ru-RU" altLang="en-US" sz="3200">
+              <a:solidFill>
+                <a:schemeClr val="tx1"/>
+              </a:solidFill>
+            </a:endParaRPr>
           </a:p>
           <a:p>
             <a:pPr lvl="1">
@@ -4394,10 +4609,26 @@
               </a:lnSpc>
             </a:pPr>
             <a:r>
-              <a:rPr lang="ru-RU" altLang="en-US"/>
-              <a:t>Зелёный – надёжный         </a:t>
-            </a:r>
-            <a:endParaRPr lang="ru-RU" altLang="en-US"/>
+              <a:rPr lang="ru-RU" altLang="en-US" sz="3200">
+                <a:solidFill>
+                  <a:schemeClr val="tx1"/>
+                </a:solidFill>
+              </a:rPr>
+              <a:t>Зелёный – надёжный </a:t>
+            </a:r>
+            <a:r>
+              <a:rPr lang="ru-RU" altLang="en-US" sz="3600">
+                <a:solidFill>
+                  <a:schemeClr val="tx1"/>
+                </a:solidFill>
+              </a:rPr>
+              <a:t>        </a:t>
+            </a:r>
+            <a:endParaRPr lang="ru-RU" altLang="en-US" sz="3600">
+              <a:solidFill>
+                <a:schemeClr val="tx1"/>
+              </a:solidFill>
+            </a:endParaRPr>
           </a:p>
           <a:p>
             <a:pPr>
@@ -4406,10 +4637,18 @@
               </a:lnSpc>
             </a:pPr>
             <a:r>
-              <a:rPr lang="ru-RU" altLang="en-US"/>
+              <a:rPr lang="ru-RU" altLang="en-US" sz="3600">
+                <a:solidFill>
+                  <a:schemeClr val="tx1"/>
+                </a:solidFill>
+              </a:rPr>
               <a:t>Если пароль есть в списке самых распространенных паролей — шкала остаётся пустой</a:t>
             </a:r>
-            <a:endParaRPr lang="ru-RU" altLang="en-US"/>
+            <a:endParaRPr lang="ru-RU" altLang="en-US" sz="3600">
+              <a:solidFill>
+                <a:schemeClr val="tx1"/>
+              </a:solidFill>
+            </a:endParaRPr>
           </a:p>
         </p:txBody>
       </p:sp>
@@ -4471,34 +4710,66 @@
           <a:p>
             <a:pPr marL="363855" indent="-363855"/>
             <a:r>
-              <a:rPr lang="ru-RU" altLang="en-US" sz="3600"/>
+              <a:rPr lang="ru-RU" altLang="en-US" sz="3600">
+                <a:solidFill>
+                  <a:schemeClr val="tx1"/>
+                </a:solidFill>
+              </a:rPr>
               <a:t>Возможность выбрать длинну и типы символов         </a:t>
             </a:r>
-            <a:endParaRPr lang="ru-RU" altLang="en-US" sz="3600"/>
+            <a:endParaRPr lang="ru-RU" altLang="en-US" sz="3600">
+              <a:solidFill>
+                <a:schemeClr val="tx1"/>
+              </a:solidFill>
+            </a:endParaRPr>
           </a:p>
           <a:p>
             <a:pPr marL="363855" indent="-363855"/>
             <a:r>
-              <a:rPr lang="ru-RU" altLang="en-US" sz="3600"/>
+              <a:rPr lang="ru-RU" altLang="en-US" sz="3600">
+                <a:solidFill>
+                  <a:schemeClr val="tx1"/>
+                </a:solidFill>
+              </a:rPr>
               <a:t>Генерация случайного пароля  </a:t>
             </a:r>
-            <a:endParaRPr lang="ru-RU" altLang="en-US" sz="3600"/>
+            <a:endParaRPr lang="ru-RU" altLang="en-US" sz="3600">
+              <a:solidFill>
+                <a:schemeClr val="tx1"/>
+              </a:solidFill>
+            </a:endParaRPr>
           </a:p>
           <a:p>
             <a:pPr marL="363855" indent="-363855"/>
             <a:r>
-              <a:rPr lang="ru-RU" altLang="en-US" sz="3600"/>
+              <a:rPr lang="ru-RU" altLang="en-US" sz="3600">
+                <a:solidFill>
+                  <a:schemeClr val="tx1"/>
+                </a:solidFill>
+              </a:rPr>
               <a:t>Кнопка копирования  </a:t>
             </a:r>
-            <a:endParaRPr lang="ru-RU" altLang="en-US" sz="3600"/>
+            <a:endParaRPr lang="ru-RU" altLang="en-US" sz="3600">
+              <a:solidFill>
+                <a:schemeClr val="tx1"/>
+              </a:solidFill>
+            </a:endParaRPr>
           </a:p>
           <a:p>
             <a:pPr marL="363855" indent="-363855"/>
             <a:r>
-              <a:rPr lang="ru-RU" altLang="en-US" sz="3600"/>
+              <a:rPr lang="ru-RU" altLang="en-US" sz="3600">
+                <a:solidFill>
+                  <a:schemeClr val="tx1"/>
+                </a:solidFill>
+              </a:rPr>
               <a:t>Подходит для мгновенного использования    </a:t>
             </a:r>
-            <a:endParaRPr lang="ru-RU" altLang="en-US" sz="3600"/>
+            <a:endParaRPr lang="ru-RU" altLang="en-US" sz="3600">
+              <a:solidFill>
+                <a:schemeClr val="tx1"/>
+              </a:solidFill>
+            </a:endParaRPr>
           </a:p>
         </p:txBody>
       </p:sp>
@@ -4557,31 +4828,63 @@
           <a:bodyPr/>
           <a:p>
             <a:r>
-              <a:rPr lang="ru-RU" altLang="en-US" sz="3600"/>
+              <a:rPr lang="ru-RU" altLang="en-US" sz="3600">
+                <a:solidFill>
+                  <a:schemeClr val="tx1"/>
+                </a:solidFill>
+              </a:rPr>
               <a:t>index.html — структура</a:t>
             </a:r>
-            <a:endParaRPr lang="ru-RU" altLang="en-US" sz="3600"/>
-          </a:p>
-          <a:p>
-            <a:r>
-              <a:rPr lang="ru-RU" altLang="en-US" sz="3600"/>
+            <a:endParaRPr lang="ru-RU" altLang="en-US" sz="3600">
+              <a:solidFill>
+                <a:schemeClr val="tx1"/>
+              </a:solidFill>
+            </a:endParaRPr>
+          </a:p>
+          <a:p>
+            <a:r>
+              <a:rPr lang="ru-RU" altLang="en-US" sz="3600">
+                <a:solidFill>
+                  <a:schemeClr val="tx1"/>
+                </a:solidFill>
+              </a:rPr>
               <a:t>style.css — стили</a:t>
             </a:r>
-            <a:endParaRPr lang="ru-RU" altLang="en-US" sz="3600"/>
-          </a:p>
-          <a:p>
-            <a:r>
-              <a:rPr lang="ru-RU" altLang="en-US" sz="3600"/>
+            <a:endParaRPr lang="ru-RU" altLang="en-US" sz="3600">
+              <a:solidFill>
+                <a:schemeClr val="tx1"/>
+              </a:solidFill>
+            </a:endParaRPr>
+          </a:p>
+          <a:p>
+            <a:r>
+              <a:rPr lang="ru-RU" altLang="en-US" sz="3600">
+                <a:solidFill>
+                  <a:schemeClr val="tx1"/>
+                </a:solidFill>
+              </a:rPr>
               <a:t>script.js — логика</a:t>
             </a:r>
-            <a:endParaRPr lang="ru-RU" altLang="en-US" sz="3600"/>
-          </a:p>
-          <a:p>
-            <a:r>
-              <a:rPr lang="ru-RU" altLang="en-US" sz="3600"/>
+            <a:endParaRPr lang="ru-RU" altLang="en-US" sz="3600">
+              <a:solidFill>
+                <a:schemeClr val="tx1"/>
+              </a:solidFill>
+            </a:endParaRPr>
+          </a:p>
+          <a:p>
+            <a:r>
+              <a:rPr lang="ru-RU" altLang="en-US" sz="3600">
+                <a:solidFill>
+                  <a:schemeClr val="tx1"/>
+                </a:solidFill>
+              </a:rPr>
               <a:t>data.json — данные     </a:t>
             </a:r>
-            <a:endParaRPr lang="ru-RU" altLang="en-US" sz="3600"/>
+            <a:endParaRPr lang="ru-RU" altLang="en-US" sz="3600">
+              <a:solidFill>
+                <a:schemeClr val="tx1"/>
+              </a:solidFill>
+            </a:endParaRPr>
           </a:p>
         </p:txBody>
       </p:sp>
@@ -4619,10 +4922,10 @@
           <a:p>
             <a:pPr algn="ctr"/>
             <a:r>
-              <a:rPr lang="ru-RU" altLang="en-US"/>
-              <a:t>Вывод</a:t>
-            </a:r>
-            <a:endParaRPr lang="ru-RU" altLang="en-US"/>
+              <a:rPr lang="ru-RU" altLang="ru-RU"/>
+              <a:t>ИТОГ</a:t>
+            </a:r>
+            <a:endParaRPr lang="ru-RU" altLang="ru-RU"/>
           </a:p>
         </p:txBody>
       </p:sp>
@@ -4642,34 +4945,66 @@
           <a:p>
             <a:pPr marL="234950" indent="-234950"/>
             <a:r>
-              <a:rPr lang="ru-RU" altLang="en-US" sz="3600"/>
+              <a:rPr lang="ru-RU" altLang="en-US" sz="3600">
+                <a:solidFill>
+                  <a:schemeClr val="tx1"/>
+                </a:solidFill>
+              </a:rPr>
               <a:t>Полностью рабочий сайт  </a:t>
             </a:r>
-            <a:endParaRPr lang="ru-RU" altLang="en-US" sz="3600"/>
+            <a:endParaRPr lang="ru-RU" altLang="en-US" sz="3600">
+              <a:solidFill>
+                <a:schemeClr val="tx1"/>
+              </a:solidFill>
+            </a:endParaRPr>
           </a:p>
           <a:p>
             <a:pPr marL="234950" indent="-234950"/>
             <a:r>
-              <a:rPr lang="ru-RU" altLang="en-US" sz="3600"/>
+              <a:rPr lang="ru-RU" altLang="en-US" sz="3600">
+                <a:solidFill>
+                  <a:schemeClr val="tx1"/>
+                </a:solidFill>
+              </a:rPr>
               <a:t>Помогает пользователям повысить уровень цифровой безопасности  </a:t>
             </a:r>
-            <a:endParaRPr lang="ru-RU" altLang="en-US" sz="3600"/>
+            <a:endParaRPr lang="ru-RU" altLang="en-US" sz="3600">
+              <a:solidFill>
+                <a:schemeClr val="tx1"/>
+              </a:solidFill>
+            </a:endParaRPr>
           </a:p>
           <a:p>
             <a:pPr marL="234950" indent="-234950"/>
             <a:r>
-              <a:rPr lang="ru-RU" altLang="en-US" sz="3600"/>
+              <a:rPr lang="ru-RU" altLang="en-US" sz="3600">
+                <a:solidFill>
+                  <a:schemeClr val="tx1"/>
+                </a:solidFill>
+              </a:rPr>
               <a:t>Создан с помощью нейросети  </a:t>
             </a:r>
-            <a:endParaRPr lang="ru-RU" altLang="en-US" sz="3600"/>
+            <a:endParaRPr lang="ru-RU" altLang="en-US" sz="3600">
+              <a:solidFill>
+                <a:schemeClr val="tx1"/>
+              </a:solidFill>
+            </a:endParaRPr>
           </a:p>
           <a:p>
             <a:pPr marL="234950" indent="-234950"/>
             <a:r>
-              <a:rPr lang="ru-RU" altLang="en-US" sz="3600"/>
+              <a:rPr lang="ru-RU" altLang="en-US" sz="3600">
+                <a:solidFill>
+                  <a:schemeClr val="tx1"/>
+                </a:solidFill>
+              </a:rPr>
               <a:t>Демонстрирует, что даже школьник может создать современный сайт с помощью ИИ</a:t>
             </a:r>
-            <a:endParaRPr lang="ru-RU" altLang="en-US" sz="3600"/>
+            <a:endParaRPr lang="ru-RU" altLang="en-US" sz="3600">
+              <a:solidFill>
+                <a:schemeClr val="tx1"/>
+              </a:solidFill>
+            </a:endParaRPr>
           </a:p>
         </p:txBody>
       </p:sp>

--- a/Презентация 1.pptx
+++ b/Презентация 1.pptx
@@ -3677,8 +3677,8 @@
         </p:nvSpPr>
         <p:spPr>
           <a:xfrm>
-            <a:off x="647700" y="258445"/>
-            <a:ext cx="4926965" cy="1325880"/>
+            <a:off x="399415" y="128905"/>
+            <a:ext cx="3602990" cy="880110"/>
           </a:xfrm>
         </p:spPr>
         <p:txBody>
@@ -3704,8 +3704,8 @@
         </p:nvSpPr>
         <p:spPr>
           <a:xfrm>
-            <a:off x="6025515" y="258445"/>
-            <a:ext cx="4926965" cy="1325880"/>
+            <a:off x="7508240" y="258445"/>
+            <a:ext cx="4618990" cy="1267460"/>
           </a:xfrm>
           <a:prstGeom prst="rect">
             <a:avLst/>
@@ -3761,8 +3761,8 @@
         </p:blipFill>
         <p:spPr>
           <a:xfrm>
-            <a:off x="1069340" y="1762760"/>
-            <a:ext cx="4083685" cy="4083685"/>
+            <a:off x="395605" y="1275080"/>
+            <a:ext cx="3606800" cy="3606800"/>
           </a:xfrm>
           <a:prstGeom prst="rect">
             <a:avLst/>
@@ -3785,14 +3785,97 @@
         </p:blipFill>
         <p:spPr>
           <a:xfrm>
-            <a:off x="6446520" y="1762760"/>
-            <a:ext cx="4084320" cy="4084320"/>
+            <a:off x="8371840" y="1616075"/>
+            <a:ext cx="3626485" cy="3626485"/>
           </a:xfrm>
           <a:prstGeom prst="rect">
             <a:avLst/>
           </a:prstGeom>
         </p:spPr>
       </p:pic>
+      <p:pic>
+        <p:nvPicPr>
+          <p:cNvPr id="3" name="Изображение 2" descr="qwenQR"/>
+          <p:cNvPicPr>
+            <a:picLocks noChangeAspect="1"/>
+          </p:cNvPicPr>
+          <p:nvPr/>
+        </p:nvPicPr>
+        <p:blipFill>
+          <a:blip r:embed="rId3"/>
+          <a:stretch>
+            <a:fillRect/>
+          </a:stretch>
+        </p:blipFill>
+        <p:spPr>
+          <a:xfrm>
+            <a:off x="4295775" y="2421255"/>
+            <a:ext cx="3782695" cy="3782695"/>
+          </a:xfrm>
+          <a:prstGeom prst="rect">
+            <a:avLst/>
+          </a:prstGeom>
+        </p:spPr>
+      </p:pic>
+      <p:sp>
+        <p:nvSpPr>
+          <p:cNvPr id="4" name="Заголовок 1"/>
+          <p:cNvSpPr>
+            <a:spLocks noGrp="1"/>
+          </p:cNvSpPr>
+          <p:nvPr/>
+        </p:nvSpPr>
+        <p:spPr>
+          <a:xfrm>
+            <a:off x="4295775" y="1136015"/>
+            <a:ext cx="3602990" cy="1078865"/>
+          </a:xfrm>
+          <a:prstGeom prst="rect">
+            <a:avLst/>
+          </a:prstGeom>
+        </p:spPr>
+        <p:txBody>
+          <a:bodyPr vert="horz" lIns="91440" tIns="45720" rIns="91440" bIns="45720" rtlCol="0" anchor="ctr" anchorCtr="0">
+            <a:noAutofit/>
+          </a:bodyPr>
+          <a:lstStyle>
+            <a:lvl1pPr algn="l" defTabSz="914400" rtl="0" eaLnBrk="1" latinLnBrk="0" hangingPunct="1">
+              <a:lnSpc>
+                <a:spcPct val="90000"/>
+              </a:lnSpc>
+              <a:spcBef>
+                <a:spcPct val="0"/>
+              </a:spcBef>
+              <a:buNone/>
+              <a:defRPr sz="4400" b="1" kern="1200">
+                <a:solidFill>
+                  <a:schemeClr val="tx1"/>
+                </a:solidFill>
+                <a:effectLst/>
+                <a:latin typeface="Calibri Light" panose="020F0302020204030204" pitchFamily="34" charset="0"/>
+                <a:ea typeface="+mj-ea"/>
+                <a:cs typeface="+mj-cs"/>
+              </a:defRPr>
+            </a:lvl1pPr>
+          </a:lstStyle>
+          <a:p>
+            <a:pPr algn="ctr"/>
+            <a:r>
+              <a:rPr lang="ru-RU" altLang="en-US" sz="4000"/>
+              <a:t>Ссылка на чат с </a:t>
+            </a:r>
+            <a:r>
+              <a:rPr lang="en-US" altLang="en-US" sz="4000"/>
+              <a:t>qwen AI</a:t>
+            </a:r>
+            <a:r>
+              <a:rPr lang="ru-RU" altLang="en-US" sz="4000"/>
+              <a:t>:</a:t>
+            </a:r>
+            <a:endParaRPr lang="ru-RU" altLang="en-US" sz="4000"/>
+          </a:p>
+        </p:txBody>
+      </p:sp>
     </p:spTree>
   </p:cSld>
   <p:clrMapOvr>
